--- a/document/底层课件/06-性能优化.pptx
+++ b/document/底层课件/06-性能优化.pptx
@@ -238,10 +238,6 @@
 </p:presentation>
 </file>
 
-<file path=ppt/revisionInfo.xml><?xml version="1.0" encoding="utf-8"?>
-<p1510:revInfo xmlns:a="http://schemas.openxmlformats.org/drawingml/2006/main" xmlns:r="http://schemas.openxmlformats.org/officeDocument/2006/relationships" xmlns:p1510="http://schemas.microsoft.com/office/powerpoint/2015/10/main"/>
-</file>
-
 <file path=ppt/handoutMasters/handoutMaster1.xml><?xml version="1.0" encoding="utf-8"?>
 <p:handoutMaster xmlns:a="http://schemas.openxmlformats.org/drawingml/2006/main" xmlns:r="http://schemas.openxmlformats.org/officeDocument/2006/relationships" xmlns:p="http://schemas.openxmlformats.org/presentationml/2006/main">
   <p:cSld>
@@ -269,7 +265,7 @@
           <p:cNvPr id="2" name="页眉占位符 1">
             <a:extLst>
               <a:ext uri="{FF2B5EF4-FFF2-40B4-BE49-F238E27FC236}">
-                <a16:creationId xmlns:a16="http://schemas.microsoft.com/office/drawing/2014/main" xmlns="" id="{AFCBEEA2-BF04-4625-9D90-F4291A119A41}"/>
+                <a16:creationId xmlns:a16="http://schemas.microsoft.com/office/drawing/2014/main" id="{AFCBEEA2-BF04-4625-9D90-F4291A119A41}"/>
               </a:ext>
             </a:extLst>
           </p:cNvPr>
@@ -306,7 +302,7 @@
           <p:cNvPr id="3" name="日期占位符 2">
             <a:extLst>
               <a:ext uri="{FF2B5EF4-FFF2-40B4-BE49-F238E27FC236}">
-                <a16:creationId xmlns:a16="http://schemas.microsoft.com/office/drawing/2014/main" xmlns="" id="{7691C78A-5A0F-4F2E-9C48-9BEEFCC112A7}"/>
+                <a16:creationId xmlns:a16="http://schemas.microsoft.com/office/drawing/2014/main" id="{7691C78A-5A0F-4F2E-9C48-9BEEFCC112A7}"/>
               </a:ext>
             </a:extLst>
           </p:cNvPr>
@@ -336,7 +332,7 @@
           <a:p>
             <a:fld id="{2B87634C-074B-4260-9010-E574428551B5}" type="datetimeFigureOut">
               <a:rPr lang="zh-CN" altLang="en-US" smtClean="0"/>
-              <a:t>2018/6/28</a:t>
+              <a:t>2019/12/23</a:t>
             </a:fld>
             <a:endParaRPr lang="zh-CN" altLang="en-US"/>
           </a:p>
@@ -347,7 +343,7 @@
           <p:cNvPr id="4" name="页脚占位符 3">
             <a:extLst>
               <a:ext uri="{FF2B5EF4-FFF2-40B4-BE49-F238E27FC236}">
-                <a16:creationId xmlns:a16="http://schemas.microsoft.com/office/drawing/2014/main" xmlns="" id="{0CD4B301-C1F1-4488-BE41-C37374152C4E}"/>
+                <a16:creationId xmlns:a16="http://schemas.microsoft.com/office/drawing/2014/main" id="{0CD4B301-C1F1-4488-BE41-C37374152C4E}"/>
               </a:ext>
             </a:extLst>
           </p:cNvPr>
@@ -384,7 +380,7 @@
           <p:cNvPr id="5" name="灯片编号占位符 4">
             <a:extLst>
               <a:ext uri="{FF2B5EF4-FFF2-40B4-BE49-F238E27FC236}">
-                <a16:creationId xmlns:a16="http://schemas.microsoft.com/office/drawing/2014/main" xmlns="" id="{9927E0BC-A1AC-4B31-B1CD-ECA55CA19D86}"/>
+                <a16:creationId xmlns:a16="http://schemas.microsoft.com/office/drawing/2014/main" id="{9927E0BC-A1AC-4B31-B1CD-ECA55CA19D86}"/>
               </a:ext>
             </a:extLst>
           </p:cNvPr>
@@ -513,7 +509,7 @@
           <a:p>
             <a:fld id="{C25591C1-7BBD-4BAD-9912-0ADD21A74F01}" type="datetimeFigureOut">
               <a:rPr lang="zh-CN" altLang="en-US" smtClean="0"/>
-              <a:t>2018/6/28</a:t>
+              <a:t>2019/12/23</a:t>
             </a:fld>
             <a:endParaRPr lang="zh-CN" altLang="en-US"/>
           </a:p>
@@ -802,7 +798,7 @@
           <p:cNvPr id="9" name="图片 6">
             <a:extLst>
               <a:ext uri="{FF2B5EF4-FFF2-40B4-BE49-F238E27FC236}">
-                <a16:creationId xmlns:a16="http://schemas.microsoft.com/office/drawing/2014/main" xmlns="" id="{F619AC0B-D093-4B29-BED5-E396B58FD119}"/>
+                <a16:creationId xmlns:a16="http://schemas.microsoft.com/office/drawing/2014/main" id="{F619AC0B-D093-4B29-BED5-E396B58FD119}"/>
               </a:ext>
             </a:extLst>
           </p:cNvPr>
@@ -836,7 +832,7 @@
           <p:cNvPr id="10" name="图片 1">
             <a:extLst>
               <a:ext uri="{FF2B5EF4-FFF2-40B4-BE49-F238E27FC236}">
-                <a16:creationId xmlns:a16="http://schemas.microsoft.com/office/drawing/2014/main" xmlns="" id="{EC130C9D-3B92-4E92-AF34-4C37ACD51527}"/>
+                <a16:creationId xmlns:a16="http://schemas.microsoft.com/office/drawing/2014/main" id="{EC130C9D-3B92-4E92-AF34-4C37ACD51527}"/>
               </a:ext>
             </a:extLst>
           </p:cNvPr>
@@ -870,7 +866,7 @@
           <p:cNvPr id="11" name="矩形 25">
             <a:extLst>
               <a:ext uri="{FF2B5EF4-FFF2-40B4-BE49-F238E27FC236}">
-                <a16:creationId xmlns:a16="http://schemas.microsoft.com/office/drawing/2014/main" xmlns="" id="{36BA4FD9-4EAF-40CB-91E3-48F885239803}"/>
+                <a16:creationId xmlns:a16="http://schemas.microsoft.com/office/drawing/2014/main" id="{36BA4FD9-4EAF-40CB-91E3-48F885239803}"/>
               </a:ext>
             </a:extLst>
           </p:cNvPr>
@@ -942,7 +938,7 @@
           <p:cNvPr id="5" name="标题 1">
             <a:extLst>
               <a:ext uri="{FF2B5EF4-FFF2-40B4-BE49-F238E27FC236}">
-                <a16:creationId xmlns:a16="http://schemas.microsoft.com/office/drawing/2014/main" xmlns="" id="{E772C4B5-AB4E-43B0-B717-25071084FD9A}"/>
+                <a16:creationId xmlns:a16="http://schemas.microsoft.com/office/drawing/2014/main" id="{E772C4B5-AB4E-43B0-B717-25071084FD9A}"/>
               </a:ext>
             </a:extLst>
           </p:cNvPr>
@@ -984,7 +980,7 @@
           <p:cNvPr id="6" name="副标题 2">
             <a:extLst>
               <a:ext uri="{FF2B5EF4-FFF2-40B4-BE49-F238E27FC236}">
-                <a16:creationId xmlns:a16="http://schemas.microsoft.com/office/drawing/2014/main" xmlns="" id="{B401CC44-47BA-4904-A587-245165E74651}"/>
+                <a16:creationId xmlns:a16="http://schemas.microsoft.com/office/drawing/2014/main" id="{B401CC44-47BA-4904-A587-245165E74651}"/>
               </a:ext>
             </a:extLst>
           </p:cNvPr>
@@ -1095,7 +1091,7 @@
           <p:cNvPr id="9" name="图片 5">
             <a:extLst>
               <a:ext uri="{FF2B5EF4-FFF2-40B4-BE49-F238E27FC236}">
-                <a16:creationId xmlns:a16="http://schemas.microsoft.com/office/drawing/2014/main" xmlns="" id="{F612FBBA-ABAE-4812-AAB2-77CA48D54191}"/>
+                <a16:creationId xmlns:a16="http://schemas.microsoft.com/office/drawing/2014/main" id="{F612FBBA-ABAE-4812-AAB2-77CA48D54191}"/>
               </a:ext>
             </a:extLst>
           </p:cNvPr>
@@ -1129,7 +1125,7 @@
           <p:cNvPr id="11" name="矩形 29">
             <a:extLst>
               <a:ext uri="{FF2B5EF4-FFF2-40B4-BE49-F238E27FC236}">
-                <a16:creationId xmlns:a16="http://schemas.microsoft.com/office/drawing/2014/main" xmlns="" id="{89038A74-5A1B-45B4-AA7D-C9934D2FDABC}"/>
+                <a16:creationId xmlns:a16="http://schemas.microsoft.com/office/drawing/2014/main" id="{89038A74-5A1B-45B4-AA7D-C9934D2FDABC}"/>
               </a:ext>
             </a:extLst>
           </p:cNvPr>
@@ -1174,7 +1170,7 @@
           <p:cNvPr id="12" name="图片 1">
             <a:extLst>
               <a:ext uri="{FF2B5EF4-FFF2-40B4-BE49-F238E27FC236}">
-                <a16:creationId xmlns:a16="http://schemas.microsoft.com/office/drawing/2014/main" xmlns="" id="{DB3FFE7C-0303-4D2A-9F24-474FCCD761CB}"/>
+                <a16:creationId xmlns:a16="http://schemas.microsoft.com/office/drawing/2014/main" id="{DB3FFE7C-0303-4D2A-9F24-474FCCD761CB}"/>
               </a:ext>
             </a:extLst>
           </p:cNvPr>
@@ -1208,7 +1204,7 @@
           <p:cNvPr id="8" name="标题占位符 1">
             <a:extLst>
               <a:ext uri="{FF2B5EF4-FFF2-40B4-BE49-F238E27FC236}">
-                <a16:creationId xmlns:a16="http://schemas.microsoft.com/office/drawing/2014/main" xmlns="" id="{F3C067B8-78E3-4D7C-B8BF-D55591977898}"/>
+                <a16:creationId xmlns:a16="http://schemas.microsoft.com/office/drawing/2014/main" id="{F3C067B8-78E3-4D7C-B8BF-D55591977898}"/>
               </a:ext>
             </a:extLst>
           </p:cNvPr>
@@ -1260,7 +1256,7 @@
           <p:cNvPr id="13" name="内容占位符 2">
             <a:extLst>
               <a:ext uri="{FF2B5EF4-FFF2-40B4-BE49-F238E27FC236}">
-                <a16:creationId xmlns:a16="http://schemas.microsoft.com/office/drawing/2014/main" xmlns="" id="{E8B5E84D-8FAC-4FA6-9CA7-55579F675DFC}"/>
+                <a16:creationId xmlns:a16="http://schemas.microsoft.com/office/drawing/2014/main" id="{E8B5E84D-8FAC-4FA6-9CA7-55579F675DFC}"/>
               </a:ext>
             </a:extLst>
           </p:cNvPr>
@@ -1568,7 +1564,7 @@
           <a:p>
             <a:fld id="{72D8E73B-0927-45CC-BC19-B5A752C4C781}" type="datetimeFigureOut">
               <a:rPr lang="zh-CN" altLang="en-US" smtClean="0"/>
-              <a:t>2018/6/28</a:t>
+              <a:t>2019/12/23</a:t>
             </a:fld>
             <a:endParaRPr lang="zh-CN" altLang="en-US"/>
           </a:p>
@@ -1969,7 +1965,7 @@
           <p:cNvPr id="2" name="标题 1">
             <a:extLst>
               <a:ext uri="{FF2B5EF4-FFF2-40B4-BE49-F238E27FC236}">
-                <a16:creationId xmlns="" xmlns:a16="http://schemas.microsoft.com/office/drawing/2014/main" id="{355D2A8A-4D20-46E7-AB5F-6F0B875B77E9}"/>
+                <a16:creationId xmlns:a16="http://schemas.microsoft.com/office/drawing/2014/main" id="{355D2A8A-4D20-46E7-AB5F-6F0B875B77E9}"/>
               </a:ext>
             </a:extLst>
           </p:cNvPr>
@@ -1999,7 +1995,7 @@
           <p:cNvPr id="3" name="副标题 2">
             <a:extLst>
               <a:ext uri="{FF2B5EF4-FFF2-40B4-BE49-F238E27FC236}">
-                <a16:creationId xmlns="" xmlns:a16="http://schemas.microsoft.com/office/drawing/2014/main" id="{F8E18B87-7327-4283-B60A-4EF5B1BB4F6D}"/>
+                <a16:creationId xmlns:a16="http://schemas.microsoft.com/office/drawing/2014/main" id="{F8E18B87-7327-4283-B60A-4EF5B1BB4F6D}"/>
               </a:ext>
             </a:extLst>
           </p:cNvPr>
@@ -2038,7 +2034,7 @@
           <p:cNvPr id="4" name="副标题 2">
             <a:extLst>
               <a:ext uri="{FF2B5EF4-FFF2-40B4-BE49-F238E27FC236}">
-                <a16:creationId xmlns:a16="http://schemas.microsoft.com/office/drawing/2014/main" xmlns="" id="{F8E18B87-7327-4283-B60A-4EF5B1BB4F6D}"/>
+                <a16:creationId xmlns:a16="http://schemas.microsoft.com/office/drawing/2014/main" id="{F8E18B87-7327-4283-B60A-4EF5B1BB4F6D}"/>
               </a:ext>
             </a:extLst>
           </p:cNvPr>
@@ -2245,13 +2241,6 @@
   <p:clrMapOvr>
     <a:masterClrMapping/>
   </p:clrMapOvr>
-  <p:timing>
-    <p:tnLst>
-      <p:par>
-        <p:cTn id="1" dur="indefinite" restart="never" nodeType="tmRoot"/>
-      </p:par>
-    </p:tnLst>
-  </p:timing>
 </p:sld>
 </file>
 
@@ -2277,7 +2266,7 @@
           <p:cNvPr id="4" name="标题 3">
             <a:extLst>
               <a:ext uri="{FF2B5EF4-FFF2-40B4-BE49-F238E27FC236}">
-                <a16:creationId xmlns="" xmlns:a16="http://schemas.microsoft.com/office/drawing/2014/main" id="{5DCC7AE5-7EF9-4964-8408-F84B72D5D253}"/>
+                <a16:creationId xmlns:a16="http://schemas.microsoft.com/office/drawing/2014/main" id="{5DCC7AE5-7EF9-4964-8408-F84B72D5D253}"/>
               </a:ext>
             </a:extLst>
           </p:cNvPr>
@@ -2921,7 +2910,7 @@
           <p:cNvPr id="4" name="标题 3">
             <a:extLst>
               <a:ext uri="{FF2B5EF4-FFF2-40B4-BE49-F238E27FC236}">
-                <a16:creationId xmlns="" xmlns:a16="http://schemas.microsoft.com/office/drawing/2014/main" id="{5DCC7AE5-7EF9-4964-8408-F84B72D5D253}"/>
+                <a16:creationId xmlns:a16="http://schemas.microsoft.com/office/drawing/2014/main" id="{5DCC7AE5-7EF9-4964-8408-F84B72D5D253}"/>
               </a:ext>
             </a:extLst>
           </p:cNvPr>
@@ -4558,7 +4547,7 @@
           <p:cNvPr id="4" name="标题 3">
             <a:extLst>
               <a:ext uri="{FF2B5EF4-FFF2-40B4-BE49-F238E27FC236}">
-                <a16:creationId xmlns="" xmlns:a16="http://schemas.microsoft.com/office/drawing/2014/main" id="{5DCC7AE5-7EF9-4964-8408-F84B72D5D253}"/>
+                <a16:creationId xmlns:a16="http://schemas.microsoft.com/office/drawing/2014/main" id="{5DCC7AE5-7EF9-4964-8408-F84B72D5D253}"/>
               </a:ext>
             </a:extLst>
           </p:cNvPr>
@@ -5624,7 +5613,7 @@
           <p:cNvPr id="4" name="标题 3">
             <a:extLst>
               <a:ext uri="{FF2B5EF4-FFF2-40B4-BE49-F238E27FC236}">
-                <a16:creationId xmlns="" xmlns:a16="http://schemas.microsoft.com/office/drawing/2014/main" id="{5DCC7AE5-7EF9-4964-8408-F84B72D5D253}"/>
+                <a16:creationId xmlns:a16="http://schemas.microsoft.com/office/drawing/2014/main" id="{5DCC7AE5-7EF9-4964-8408-F84B72D5D253}"/>
               </a:ext>
             </a:extLst>
           </p:cNvPr>
@@ -5681,7 +5670,7 @@
               <a:buChar char="n"/>
             </a:pPr>
             <a:r>
-              <a:rPr lang="en-US" altLang="zh-CN" sz="1600">
+              <a:rPr lang="en-US" altLang="zh-CN" sz="1600" dirty="0">
                 <a:solidFill>
                   <a:schemeClr val="tx1">
                     <a:lumMod val="65000"/>
@@ -5694,7 +5683,7 @@
               <a:t>APP</a:t>
             </a:r>
             <a:r>
-              <a:rPr lang="zh-CN" altLang="en-US" sz="1600">
+              <a:rPr lang="zh-CN" altLang="en-US" sz="1600" dirty="0">
                 <a:solidFill>
                   <a:schemeClr val="tx1">
                     <a:lumMod val="65000"/>
@@ -5707,7 +5696,7 @@
               <a:t>的启动可以分为</a:t>
             </a:r>
             <a:r>
-              <a:rPr lang="en-US" altLang="zh-CN" sz="1600">
+              <a:rPr lang="en-US" altLang="zh-CN" sz="1600" dirty="0">
                 <a:solidFill>
                   <a:schemeClr val="tx1">
                     <a:lumMod val="65000"/>
@@ -5720,7 +5709,7 @@
               <a:t>2</a:t>
             </a:r>
             <a:r>
-              <a:rPr lang="zh-CN" altLang="en-US" sz="1600">
+              <a:rPr lang="zh-CN" altLang="en-US" sz="1600" dirty="0">
                 <a:solidFill>
                   <a:schemeClr val="tx1">
                     <a:lumMod val="65000"/>
@@ -5732,7 +5721,7 @@
               </a:rPr>
               <a:t>种</a:t>
             </a:r>
-            <a:endParaRPr lang="en-US" altLang="zh-CN" sz="1600">
+            <a:endParaRPr lang="en-US" altLang="zh-CN" sz="1600" dirty="0">
               <a:solidFill>
                 <a:schemeClr val="tx1">
                   <a:lumMod val="65000"/>
@@ -5752,7 +5741,7 @@
               <a:buChar char="p"/>
             </a:pPr>
             <a:r>
-              <a:rPr lang="zh-CN" altLang="en-US" sz="1600">
+              <a:rPr lang="zh-CN" altLang="en-US" sz="1600" dirty="0">
                 <a:solidFill>
                   <a:schemeClr val="tx1">
                     <a:lumMod val="65000"/>
@@ -5765,7 +5754,7 @@
               <a:t>冷启动（</a:t>
             </a:r>
             <a:r>
-              <a:rPr lang="en-US" altLang="zh-CN" sz="1600">
+              <a:rPr lang="en-US" altLang="zh-CN" sz="1600" dirty="0">
                 <a:solidFill>
                   <a:schemeClr val="tx1">
                     <a:lumMod val="65000"/>
@@ -5778,7 +5767,7 @@
               <a:t>Cold</a:t>
             </a:r>
             <a:r>
-              <a:rPr lang="zh-CN" altLang="en-US" sz="1600">
+              <a:rPr lang="zh-CN" altLang="en-US" sz="1600" dirty="0">
                 <a:solidFill>
                   <a:schemeClr val="tx1">
                     <a:lumMod val="65000"/>
@@ -5791,7 +5780,7 @@
               <a:t> </a:t>
             </a:r>
             <a:r>
-              <a:rPr lang="en-US" altLang="zh-CN" sz="1600">
+              <a:rPr lang="en-US" altLang="zh-CN" sz="1600" dirty="0">
                 <a:solidFill>
                   <a:schemeClr val="tx1">
                     <a:lumMod val="65000"/>
@@ -5804,7 +5793,7 @@
               <a:t>Launch</a:t>
             </a:r>
             <a:r>
-              <a:rPr lang="zh-CN" altLang="en-US" sz="1600">
+              <a:rPr lang="zh-CN" altLang="en-US" sz="1600" dirty="0">
                 <a:solidFill>
                   <a:schemeClr val="tx1">
                     <a:lumMod val="65000"/>
@@ -5817,7 +5806,7 @@
               <a:t>）：从零开始启动</a:t>
             </a:r>
             <a:r>
-              <a:rPr lang="en-US" altLang="zh-CN" sz="1600">
+              <a:rPr lang="en-US" altLang="zh-CN" sz="1600" dirty="0">
                 <a:solidFill>
                   <a:schemeClr val="tx1">
                     <a:lumMod val="65000"/>
@@ -5839,7 +5828,7 @@
               <a:buChar char="p"/>
             </a:pPr>
             <a:r>
-              <a:rPr lang="zh-CN" altLang="en-US" sz="1600">
+              <a:rPr lang="zh-CN" altLang="en-US" sz="1600" dirty="0">
                 <a:solidFill>
                   <a:schemeClr val="tx1">
                     <a:lumMod val="65000"/>
@@ -5852,7 +5841,7 @@
               <a:t>热启动（</a:t>
             </a:r>
             <a:r>
-              <a:rPr lang="en-US" altLang="zh-CN" sz="1600">
+              <a:rPr lang="en-US" altLang="zh-CN" sz="1600" dirty="0">
                 <a:solidFill>
                   <a:schemeClr val="tx1">
                     <a:lumMod val="65000"/>
@@ -5865,7 +5854,7 @@
               <a:t>Warm</a:t>
             </a:r>
             <a:r>
-              <a:rPr lang="zh-CN" altLang="en-US" sz="1600">
+              <a:rPr lang="zh-CN" altLang="en-US" sz="1600" dirty="0">
                 <a:solidFill>
                   <a:schemeClr val="tx1">
                     <a:lumMod val="65000"/>
@@ -5878,7 +5867,7 @@
               <a:t> </a:t>
             </a:r>
             <a:r>
-              <a:rPr lang="en-US" altLang="zh-CN" sz="1600">
+              <a:rPr lang="en-US" altLang="zh-CN" sz="1600" dirty="0">
                 <a:solidFill>
                   <a:schemeClr val="tx1">
                     <a:lumMod val="65000"/>
@@ -5891,7 +5880,7 @@
               <a:t>Launch</a:t>
             </a:r>
             <a:r>
-              <a:rPr lang="zh-CN" altLang="en-US" sz="1600">
+              <a:rPr lang="zh-CN" altLang="en-US" sz="1600" dirty="0">
                 <a:solidFill>
                   <a:schemeClr val="tx1">
                     <a:lumMod val="65000"/>
@@ -5904,7 +5893,7 @@
               <a:t>）：</a:t>
             </a:r>
             <a:r>
-              <a:rPr lang="en-US" altLang="zh-CN" sz="1600">
+              <a:rPr lang="en-US" altLang="zh-CN" sz="1600" dirty="0">
                 <a:solidFill>
                   <a:schemeClr val="tx1">
                     <a:lumMod val="65000"/>
@@ -5917,7 +5906,7 @@
               <a:t>APP</a:t>
             </a:r>
             <a:r>
-              <a:rPr lang="zh-CN" altLang="en-US" sz="1600">
+              <a:rPr lang="zh-CN" altLang="en-US" sz="1600" dirty="0">
                 <a:solidFill>
                   <a:schemeClr val="tx1">
                     <a:lumMod val="65000"/>
@@ -5930,7 +5919,7 @@
               <a:t>已经在内存中，在后台存活着，再次点击图标启动</a:t>
             </a:r>
             <a:r>
-              <a:rPr lang="en-US" altLang="zh-CN" sz="1600">
+              <a:rPr lang="en-US" altLang="zh-CN" sz="1600" dirty="0">
                 <a:solidFill>
                   <a:schemeClr val="tx1">
                     <a:lumMod val="65000"/>
@@ -5951,7 +5940,7 @@
               <a:buFont typeface="Wingdings" charset="2"/>
               <a:buChar char="p"/>
             </a:pPr>
-            <a:endParaRPr lang="en-US" altLang="zh-CN" sz="1600">
+            <a:endParaRPr lang="en-US" altLang="zh-CN" sz="1600" dirty="0">
               <a:solidFill>
                 <a:schemeClr val="tx1">
                   <a:lumMod val="65000"/>
@@ -5971,7 +5960,7 @@
               <a:buChar char="n"/>
             </a:pPr>
             <a:r>
-              <a:rPr lang="en-US" altLang="zh-CN" sz="1600">
+              <a:rPr lang="en-US" altLang="zh-CN" sz="1600" dirty="0">
                 <a:solidFill>
                   <a:schemeClr val="tx1">
                     <a:lumMod val="65000"/>
@@ -5984,7 +5973,7 @@
               <a:t>APP</a:t>
             </a:r>
             <a:r>
-              <a:rPr lang="zh-CN" altLang="en-US" sz="1600">
+              <a:rPr lang="zh-CN" altLang="en-US" sz="1600" dirty="0">
                 <a:solidFill>
                   <a:schemeClr val="tx1">
                     <a:lumMod val="65000"/>
@@ -5996,7 +5985,7 @@
               </a:rPr>
               <a:t>启动时间的优化，主要是针对冷启动进行优化</a:t>
             </a:r>
-            <a:endParaRPr lang="en-US" altLang="zh-CN" sz="1600">
+            <a:endParaRPr lang="en-US" altLang="zh-CN" sz="1600" dirty="0">
               <a:solidFill>
                 <a:schemeClr val="tx1">
                   <a:lumMod val="65000"/>
@@ -6015,7 +6004,7 @@
               <a:buFont typeface="Wingdings" charset="2"/>
               <a:buChar char="n"/>
             </a:pPr>
-            <a:endParaRPr lang="en-US" altLang="zh-CN" sz="1600">
+            <a:endParaRPr lang="en-US" altLang="zh-CN" sz="1600" dirty="0">
               <a:solidFill>
                 <a:schemeClr val="tx1">
                   <a:lumMod val="65000"/>
@@ -6035,7 +6024,7 @@
               <a:buChar char="n"/>
             </a:pPr>
             <a:r>
-              <a:rPr lang="zh-CN" altLang="en-US" sz="1600">
+              <a:rPr lang="zh-CN" altLang="en-US" sz="1600" dirty="0">
                 <a:solidFill>
                   <a:schemeClr val="tx1">
                     <a:lumMod val="65000"/>
@@ -6048,7 +6037,7 @@
               <a:t>通过添加环境变量可以打印出</a:t>
             </a:r>
             <a:r>
-              <a:rPr lang="en-US" altLang="zh-CN" sz="1600">
+              <a:rPr lang="en-US" altLang="zh-CN" sz="1600" dirty="0">
                 <a:solidFill>
                   <a:schemeClr val="tx1">
                     <a:lumMod val="65000"/>
@@ -6061,7 +6050,7 @@
               <a:t>APP</a:t>
             </a:r>
             <a:r>
-              <a:rPr lang="zh-CN" altLang="en-US" sz="1600">
+              <a:rPr lang="zh-CN" altLang="en-US" sz="1600" dirty="0">
                 <a:solidFill>
                   <a:schemeClr val="tx1">
                     <a:lumMod val="65000"/>
@@ -6074,7 +6063,7 @@
               <a:t>的启动时间分析（</a:t>
             </a:r>
             <a:r>
-              <a:rPr lang="en-US" altLang="zh-CN" sz="1600">
+              <a:rPr lang="en-US" altLang="zh-CN" sz="1600" dirty="0">
                 <a:solidFill>
                   <a:schemeClr val="tx1">
                     <a:lumMod val="65000"/>
@@ -6087,7 +6076,7 @@
               <a:t>Edit scheme -&gt; Run -&gt; Arguments</a:t>
             </a:r>
             <a:r>
-              <a:rPr lang="zh-CN" altLang="en-US" sz="1600">
+              <a:rPr lang="zh-CN" altLang="en-US" sz="1600" dirty="0">
                 <a:solidFill>
                   <a:schemeClr val="tx1">
                     <a:lumMod val="65000"/>
@@ -6099,7 +6088,7 @@
               </a:rPr>
               <a:t>）</a:t>
             </a:r>
-            <a:endParaRPr lang="en-US" altLang="zh-CN" sz="1600">
+            <a:endParaRPr lang="en-US" altLang="zh-CN" sz="1600" dirty="0">
               <a:solidFill>
                 <a:schemeClr val="tx1">
                   <a:lumMod val="65000"/>
@@ -6119,7 +6108,7 @@
               <a:buChar char="p"/>
             </a:pPr>
             <a:r>
-              <a:rPr lang="en-US" altLang="zh-CN" sz="1600">
+              <a:rPr lang="en-US" altLang="zh-CN" sz="1600" dirty="0">
                 <a:solidFill>
                   <a:schemeClr val="tx1">
                     <a:lumMod val="65000"/>
@@ -6132,7 +6121,7 @@
               <a:t>DYLD_PRINT_STATISTICS</a:t>
             </a:r>
             <a:r>
-              <a:rPr lang="zh-CN" altLang="en-US" sz="1600">
+              <a:rPr lang="zh-CN" altLang="en-US" sz="1600" dirty="0">
                 <a:solidFill>
                   <a:schemeClr val="tx1">
                     <a:lumMod val="65000"/>
@@ -6145,7 +6134,7 @@
               <a:t>设置为</a:t>
             </a:r>
             <a:r>
-              <a:rPr lang="en-US" altLang="zh-CN" sz="1600">
+              <a:rPr lang="en-US" altLang="zh-CN" sz="1600" dirty="0">
                 <a:solidFill>
                   <a:schemeClr val="tx1">
                     <a:lumMod val="65000"/>
@@ -6167,7 +6156,7 @@
               <a:buChar char="p"/>
             </a:pPr>
             <a:r>
-              <a:rPr lang="zh-CN" altLang="en-US" sz="1600">
+              <a:rPr lang="zh-CN" altLang="en-US" sz="1600" dirty="0">
                 <a:solidFill>
                   <a:schemeClr val="tx1">
                     <a:lumMod val="65000"/>
@@ -6180,7 +6169,7 @@
               <a:t>如果需要更详细的信息，那就将</a:t>
             </a:r>
             <a:r>
-              <a:rPr lang="en-US" altLang="zh-CN" sz="1600">
+              <a:rPr lang="en-US" altLang="zh-CN" sz="1600" dirty="0">
                 <a:solidFill>
                   <a:schemeClr val="tx1">
                     <a:lumMod val="65000"/>
@@ -6193,7 +6182,7 @@
               <a:t>DYLD_PRINT_STATISTICS_DETAILS</a:t>
             </a:r>
             <a:r>
-              <a:rPr lang="zh-CN" altLang="en-US" sz="1600">
+              <a:rPr lang="zh-CN" altLang="en-US" sz="1600" dirty="0">
                 <a:solidFill>
                   <a:schemeClr val="tx1">
                     <a:lumMod val="65000"/>
@@ -6206,7 +6195,7 @@
               <a:t>设置为</a:t>
             </a:r>
             <a:r>
-              <a:rPr lang="en-US" altLang="zh-CN" sz="1600">
+              <a:rPr lang="en-US" altLang="zh-CN" sz="1600" dirty="0">
                 <a:solidFill>
                   <a:schemeClr val="tx1">
                     <a:lumMod val="65000"/>
@@ -6713,7 +6702,7 @@
           <p:cNvPr id="4" name="标题 3">
             <a:extLst>
               <a:ext uri="{FF2B5EF4-FFF2-40B4-BE49-F238E27FC236}">
-                <a16:creationId xmlns="" xmlns:a16="http://schemas.microsoft.com/office/drawing/2014/main" id="{5DCC7AE5-7EF9-4964-8408-F84B72D5D253}"/>
+                <a16:creationId xmlns:a16="http://schemas.microsoft.com/office/drawing/2014/main" id="{5DCC7AE5-7EF9-4964-8408-F84B72D5D253}"/>
               </a:ext>
             </a:extLst>
           </p:cNvPr>
@@ -7284,7 +7273,7 @@
           <p:cNvPr id="4" name="标题 3">
             <a:extLst>
               <a:ext uri="{FF2B5EF4-FFF2-40B4-BE49-F238E27FC236}">
-                <a16:creationId xmlns="" xmlns:a16="http://schemas.microsoft.com/office/drawing/2014/main" id="{5DCC7AE5-7EF9-4964-8408-F84B72D5D253}"/>
+                <a16:creationId xmlns:a16="http://schemas.microsoft.com/office/drawing/2014/main" id="{5DCC7AE5-7EF9-4964-8408-F84B72D5D253}"/>
               </a:ext>
             </a:extLst>
           </p:cNvPr>
@@ -8024,7 +8013,7 @@
           <p:cNvPr id="4" name="标题 3">
             <a:extLst>
               <a:ext uri="{FF2B5EF4-FFF2-40B4-BE49-F238E27FC236}">
-                <a16:creationId xmlns="" xmlns:a16="http://schemas.microsoft.com/office/drawing/2014/main" id="{5DCC7AE5-7EF9-4964-8408-F84B72D5D253}"/>
+                <a16:creationId xmlns:a16="http://schemas.microsoft.com/office/drawing/2014/main" id="{5DCC7AE5-7EF9-4964-8408-F84B72D5D253}"/>
               </a:ext>
             </a:extLst>
           </p:cNvPr>
@@ -9197,7 +9186,7 @@
           <p:cNvPr id="4" name="标题 3">
             <a:extLst>
               <a:ext uri="{FF2B5EF4-FFF2-40B4-BE49-F238E27FC236}">
-                <a16:creationId xmlns="" xmlns:a16="http://schemas.microsoft.com/office/drawing/2014/main" id="{5DCC7AE5-7EF9-4964-8408-F84B72D5D253}"/>
+                <a16:creationId xmlns:a16="http://schemas.microsoft.com/office/drawing/2014/main" id="{5DCC7AE5-7EF9-4964-8408-F84B72D5D253}"/>
               </a:ext>
             </a:extLst>
           </p:cNvPr>
@@ -10011,7 +10000,7 @@
           <p:cNvPr id="4" name="标题 3">
             <a:extLst>
               <a:ext uri="{FF2B5EF4-FFF2-40B4-BE49-F238E27FC236}">
-                <a16:creationId xmlns="" xmlns:a16="http://schemas.microsoft.com/office/drawing/2014/main" id="{5DCC7AE5-7EF9-4964-8408-F84B72D5D253}"/>
+                <a16:creationId xmlns:a16="http://schemas.microsoft.com/office/drawing/2014/main" id="{5DCC7AE5-7EF9-4964-8408-F84B72D5D253}"/>
               </a:ext>
             </a:extLst>
           </p:cNvPr>
@@ -11486,7 +11475,7 @@
           <p:cNvPr id="4" name="标题 3">
             <a:extLst>
               <a:ext uri="{FF2B5EF4-FFF2-40B4-BE49-F238E27FC236}">
-                <a16:creationId xmlns="" xmlns:a16="http://schemas.microsoft.com/office/drawing/2014/main" id="{5DCC7AE5-7EF9-4964-8408-F84B72D5D253}"/>
+                <a16:creationId xmlns:a16="http://schemas.microsoft.com/office/drawing/2014/main" id="{5DCC7AE5-7EF9-4964-8408-F84B72D5D253}"/>
               </a:ext>
             </a:extLst>
           </p:cNvPr>
@@ -11539,7 +11528,7 @@
               <a:buChar char="n"/>
             </a:pPr>
             <a:r>
-              <a:rPr lang="zh-CN" altLang="en-US" sz="1600">
+              <a:rPr lang="zh-CN" altLang="en-US" sz="1600" dirty="0">
                 <a:solidFill>
                   <a:schemeClr val="tx1">
                     <a:lumMod val="65000"/>
@@ -11552,7 +11541,7 @@
               <a:t>安装包（</a:t>
             </a:r>
             <a:r>
-              <a:rPr lang="en-US" altLang="zh-CN" sz="1600">
+              <a:rPr lang="en-US" altLang="zh-CN" sz="1600" dirty="0">
                 <a:solidFill>
                   <a:schemeClr val="tx1">
                     <a:lumMod val="65000"/>
@@ -11565,7 +11554,7 @@
               <a:t>IPA</a:t>
             </a:r>
             <a:r>
-              <a:rPr lang="zh-CN" altLang="en-US" sz="1600">
+              <a:rPr lang="zh-CN" altLang="en-US" sz="1600" dirty="0">
                 <a:solidFill>
                   <a:schemeClr val="tx1">
                     <a:lumMod val="65000"/>
@@ -11577,7 +11566,7 @@
               </a:rPr>
               <a:t>）主要由可执行文件、资源组成</a:t>
             </a:r>
-            <a:endParaRPr lang="en-US" altLang="zh-CN" sz="1600">
+            <a:endParaRPr lang="en-US" altLang="zh-CN" sz="1600" dirty="0">
               <a:solidFill>
                 <a:schemeClr val="tx1">
                   <a:lumMod val="65000"/>
@@ -11596,7 +11585,7 @@
               <a:buFont typeface="Wingdings" charset="2"/>
               <a:buChar char="n"/>
             </a:pPr>
-            <a:endParaRPr lang="en-US" altLang="zh-CN" sz="1600">
+            <a:endParaRPr lang="en-US" altLang="zh-CN" sz="1600" dirty="0">
               <a:solidFill>
                 <a:schemeClr val="tx1">
                   <a:lumMod val="65000"/>
@@ -11616,7 +11605,7 @@
               <a:buChar char="n"/>
             </a:pPr>
             <a:r>
-              <a:rPr lang="zh-CN" altLang="en-US" sz="1600">
+              <a:rPr lang="zh-CN" altLang="en-US" sz="1600" dirty="0">
                 <a:solidFill>
                   <a:schemeClr val="tx1">
                     <a:lumMod val="65000"/>
@@ -11628,7 +11617,7 @@
               </a:rPr>
               <a:t>资源（图片、音频、视频等）</a:t>
             </a:r>
-            <a:endParaRPr lang="en-US" altLang="zh-CN" sz="1600">
+            <a:endParaRPr lang="en-US" altLang="zh-CN" sz="1600" dirty="0">
               <a:solidFill>
                 <a:schemeClr val="tx1">
                   <a:lumMod val="65000"/>
@@ -11648,7 +11637,7 @@
               <a:buChar char="p"/>
             </a:pPr>
             <a:r>
-              <a:rPr lang="zh-CN" altLang="en-US" sz="1600">
+              <a:rPr lang="zh-CN" altLang="en-US" sz="1600" dirty="0">
                 <a:solidFill>
                   <a:schemeClr val="tx1">
                     <a:lumMod val="65000"/>
@@ -11660,7 +11649,7 @@
               </a:rPr>
               <a:t>采取无损压缩</a:t>
             </a:r>
-            <a:endParaRPr lang="en-US" altLang="zh-CN" sz="1600">
+            <a:endParaRPr lang="en-US" altLang="zh-CN" sz="1600" dirty="0">
               <a:solidFill>
                 <a:schemeClr val="tx1">
                   <a:lumMod val="65000"/>
@@ -11680,7 +11669,7 @@
               <a:buChar char="p"/>
             </a:pPr>
             <a:r>
-              <a:rPr lang="zh-CN" altLang="en-US" sz="1600">
+              <a:rPr lang="zh-CN" altLang="en-US" sz="1600" dirty="0">
                 <a:solidFill>
                   <a:schemeClr val="tx1">
                     <a:lumMod val="65000"/>
@@ -11693,7 +11682,7 @@
               <a:t>去除没有用到的资源：</a:t>
             </a:r>
             <a:r>
-              <a:rPr lang="en-US" altLang="zh-CN" sz="1600">
+              <a:rPr lang="en-US" altLang="zh-CN" sz="1600" dirty="0">
                 <a:solidFill>
                   <a:schemeClr val="tx1">
                     <a:lumMod val="65000"/>
@@ -11706,7 +11695,7 @@
               <a:t> </a:t>
             </a:r>
             <a:r>
-              <a:rPr lang="en-US" altLang="zh-CN" sz="1600">
+              <a:rPr lang="en-US" altLang="zh-CN" sz="1600" dirty="0">
                 <a:solidFill>
                   <a:schemeClr val="tx1">
                     <a:lumMod val="65000"/>
@@ -11719,7 +11708,7 @@
               </a:rPr>
               <a:t>https://github.com/tinymind/LSUnusedResources</a:t>
             </a:r>
-            <a:endParaRPr lang="en-US" altLang="zh-CN" sz="1600">
+            <a:endParaRPr lang="en-US" altLang="zh-CN" sz="1600" dirty="0">
               <a:solidFill>
                 <a:schemeClr val="tx1">
                   <a:lumMod val="65000"/>
@@ -11738,7 +11727,7 @@
               <a:buFont typeface="Wingdings" charset="2"/>
               <a:buChar char="n"/>
             </a:pPr>
-            <a:endParaRPr lang="en-US" altLang="zh-CN" sz="1600">
+            <a:endParaRPr lang="en-US" altLang="zh-CN" sz="1600" dirty="0">
               <a:solidFill>
                 <a:schemeClr val="tx1">
                   <a:lumMod val="65000"/>
@@ -11758,7 +11747,7 @@
               <a:buChar char="n"/>
             </a:pPr>
             <a:r>
-              <a:rPr lang="zh-CN" altLang="en-US" sz="1600">
+              <a:rPr lang="zh-CN" altLang="en-US" sz="1600" dirty="0">
                 <a:solidFill>
                   <a:schemeClr val="tx1">
                     <a:lumMod val="65000"/>
@@ -11770,7 +11759,7 @@
               </a:rPr>
               <a:t>可执行文件瘦身</a:t>
             </a:r>
-            <a:endParaRPr lang="en-US" altLang="zh-CN" sz="1600">
+            <a:endParaRPr lang="en-US" altLang="zh-CN" sz="1600" dirty="0">
               <a:solidFill>
                 <a:schemeClr val="tx1">
                   <a:lumMod val="65000"/>
@@ -11790,7 +11779,7 @@
               <a:buChar char="p"/>
             </a:pPr>
             <a:r>
-              <a:rPr lang="zh-CN" altLang="en-US" sz="1600">
+              <a:rPr lang="zh-CN" altLang="en-US" sz="1600" dirty="0">
                 <a:solidFill>
                   <a:schemeClr val="tx1">
                     <a:lumMod val="65000"/>
@@ -11802,7 +11791,7 @@
               </a:rPr>
               <a:t>编译器优化</a:t>
             </a:r>
-            <a:endParaRPr lang="en-US" altLang="zh-CN" sz="1600">
+            <a:endParaRPr lang="en-US" altLang="zh-CN" sz="1600" dirty="0">
               <a:solidFill>
                 <a:schemeClr val="tx1">
                   <a:lumMod val="65000"/>
@@ -11822,7 +11811,7 @@
               <a:buChar char="ü"/>
             </a:pPr>
             <a:r>
-              <a:rPr lang="en-US" altLang="zh-CN" sz="1600">
+              <a:rPr lang="en-US" altLang="zh-CN" sz="1600" dirty="0">
                 <a:solidFill>
                   <a:schemeClr val="tx1">
                     <a:lumMod val="65000"/>
@@ -11835,7 +11824,7 @@
               <a:t>Strip Linked Product</a:t>
             </a:r>
             <a:r>
-              <a:rPr lang="zh-CN" altLang="en-US" sz="1600">
+              <a:rPr lang="zh-CN" altLang="en-US" sz="1600" dirty="0">
                 <a:solidFill>
                   <a:schemeClr val="tx1">
                     <a:lumMod val="65000"/>
@@ -11848,7 +11837,7 @@
               <a:t>、</a:t>
             </a:r>
             <a:r>
-              <a:rPr lang="en-US" altLang="zh-CN" sz="1600">
+              <a:rPr lang="en-US" altLang="zh-CN" sz="1600" dirty="0">
                 <a:solidFill>
                   <a:schemeClr val="tx1">
                     <a:lumMod val="65000"/>
@@ -11861,7 +11850,7 @@
               <a:t>Make Strings Read-Only</a:t>
             </a:r>
             <a:r>
-              <a:rPr lang="zh-CN" altLang="en-US" sz="1600">
+              <a:rPr lang="zh-CN" altLang="en-US" sz="1600" dirty="0">
                 <a:solidFill>
                   <a:schemeClr val="tx1">
                     <a:lumMod val="65000"/>
@@ -11874,7 +11863,7 @@
               <a:t>、</a:t>
             </a:r>
             <a:r>
-              <a:rPr lang="en-US" altLang="zh-CN" sz="1600">
+              <a:rPr lang="en-US" altLang="zh-CN" sz="1600" dirty="0">
                 <a:solidFill>
                   <a:schemeClr val="tx1">
                     <a:lumMod val="65000"/>
@@ -11887,7 +11876,7 @@
               <a:t>Symbols Hidden by Default</a:t>
             </a:r>
             <a:r>
-              <a:rPr lang="zh-CN" altLang="en-US" sz="1600">
+              <a:rPr lang="zh-CN" altLang="en-US" sz="1600" dirty="0">
                 <a:solidFill>
                   <a:schemeClr val="tx1">
                     <a:lumMod val="65000"/>
@@ -11900,7 +11889,7 @@
               <a:t>设置为</a:t>
             </a:r>
             <a:r>
-              <a:rPr lang="en-US" altLang="zh-CN" sz="1600">
+              <a:rPr lang="en-US" altLang="zh-CN" sz="1600" dirty="0">
                 <a:solidFill>
                   <a:schemeClr val="tx1">
                     <a:lumMod val="65000"/>
@@ -11922,7 +11911,7 @@
               <a:buChar char="ü"/>
             </a:pPr>
             <a:r>
-              <a:rPr lang="zh-CN" altLang="en-US" sz="1600">
+              <a:rPr lang="zh-CN" altLang="en-US" sz="1600" dirty="0">
                 <a:solidFill>
                   <a:schemeClr val="tx1">
                     <a:lumMod val="65000"/>
@@ -11935,7 +11924,7 @@
               <a:t>去掉异常支持，</a:t>
             </a:r>
             <a:r>
-              <a:rPr lang="en-US" altLang="zh-CN" sz="1600">
+              <a:rPr lang="en-US" altLang="zh-CN" sz="1600" dirty="0">
                 <a:solidFill>
                   <a:schemeClr val="tx1">
                     <a:lumMod val="65000"/>
@@ -11948,7 +11937,7 @@
               <a:t>Enable C++ Exceptions</a:t>
             </a:r>
             <a:r>
-              <a:rPr lang="zh-CN" altLang="en-US" sz="1600">
+              <a:rPr lang="zh-CN" altLang="en-US" sz="1600" dirty="0">
                 <a:solidFill>
                   <a:schemeClr val="tx1">
                     <a:lumMod val="65000"/>
@@ -11961,7 +11950,7 @@
               <a:t>、</a:t>
             </a:r>
             <a:r>
-              <a:rPr lang="en-US" altLang="zh-CN" sz="1600">
+              <a:rPr lang="en-US" altLang="zh-CN" sz="1600" dirty="0">
                 <a:solidFill>
                   <a:schemeClr val="tx1">
                     <a:lumMod val="65000"/>
@@ -11974,7 +11963,7 @@
               <a:t>Enable Objective-C Exceptions</a:t>
             </a:r>
             <a:r>
-              <a:rPr lang="zh-CN" altLang="en-US" sz="1600">
+              <a:rPr lang="zh-CN" altLang="en-US" sz="1600" dirty="0">
                 <a:solidFill>
                   <a:schemeClr val="tx1">
                     <a:lumMod val="65000"/>
@@ -11987,7 +11976,7 @@
               <a:t>设置为</a:t>
             </a:r>
             <a:r>
-              <a:rPr lang="en-US" altLang="zh-CN" sz="1600">
+              <a:rPr lang="en-US" altLang="zh-CN" sz="1600" dirty="0">
                 <a:solidFill>
                   <a:schemeClr val="tx1">
                     <a:lumMod val="65000"/>
@@ -12000,7 +11989,7 @@
               <a:t>NO</a:t>
             </a:r>
             <a:r>
-              <a:rPr lang="zh-CN" altLang="en-US" sz="1600">
+              <a:rPr lang="zh-CN" altLang="en-US" sz="1600" dirty="0">
                 <a:solidFill>
                   <a:schemeClr val="tx1">
                     <a:lumMod val="65000"/>
@@ -12013,7 +12002,7 @@
               <a:t>，</a:t>
             </a:r>
             <a:r>
-              <a:rPr lang="en-US" altLang="zh-CN" sz="1600">
+              <a:rPr lang="en-US" altLang="zh-CN" sz="1600" dirty="0">
                 <a:solidFill>
                   <a:schemeClr val="tx1">
                     <a:lumMod val="65000"/>
@@ -12026,7 +12015,7 @@
               <a:t> Other C Flags</a:t>
             </a:r>
             <a:r>
-              <a:rPr lang="zh-CN" altLang="en-US" sz="1600">
+              <a:rPr lang="zh-CN" altLang="en-US" sz="1600" dirty="0">
                 <a:solidFill>
                   <a:schemeClr val="tx1">
                     <a:lumMod val="65000"/>
@@ -12039,17 +12028,43 @@
               <a:t>添加</a:t>
             </a:r>
             <a:r>
-              <a:rPr lang="en-US" altLang="zh-CN" sz="1600">
-                <a:solidFill>
-                  <a:schemeClr val="tx1">
-                    <a:lumMod val="65000"/>
-                    <a:lumOff val="35000"/>
-                  </a:schemeClr>
-                </a:solidFill>
-                <a:latin typeface="微软雅黑" panose="020B0503020204020204" pitchFamily="34" charset="-122"/>
-                <a:ea typeface="微软雅黑" panose="020B0503020204020204" pitchFamily="34" charset="-122"/>
-              </a:rPr>
-              <a:t>-fno-exceptions</a:t>
+              <a:rPr lang="en-US" altLang="zh-CN" sz="1600" dirty="0">
+                <a:solidFill>
+                  <a:schemeClr val="tx1">
+                    <a:lumMod val="65000"/>
+                    <a:lumOff val="35000"/>
+                  </a:schemeClr>
+                </a:solidFill>
+                <a:latin typeface="微软雅黑" panose="020B0503020204020204" pitchFamily="34" charset="-122"/>
+                <a:ea typeface="微软雅黑" panose="020B0503020204020204" pitchFamily="34" charset="-122"/>
+              </a:rPr>
+              <a:t>-</a:t>
+            </a:r>
+            <a:r>
+              <a:rPr lang="en-US" altLang="zh-CN" sz="1600" dirty="0" err="1">
+                <a:solidFill>
+                  <a:schemeClr val="tx1">
+                    <a:lumMod val="65000"/>
+                    <a:lumOff val="35000"/>
+                  </a:schemeClr>
+                </a:solidFill>
+                <a:latin typeface="微软雅黑" panose="020B0503020204020204" pitchFamily="34" charset="-122"/>
+                <a:ea typeface="微软雅黑" panose="020B0503020204020204" pitchFamily="34" charset="-122"/>
+              </a:rPr>
+              <a:t>fno</a:t>
+            </a:r>
+            <a:r>
+              <a:rPr lang="en-US" altLang="zh-CN" sz="1600" dirty="0">
+                <a:solidFill>
+                  <a:schemeClr val="tx1">
+                    <a:lumMod val="65000"/>
+                    <a:lumOff val="35000"/>
+                  </a:schemeClr>
+                </a:solidFill>
+                <a:latin typeface="微软雅黑" panose="020B0503020204020204" pitchFamily="34" charset="-122"/>
+                <a:ea typeface="微软雅黑" panose="020B0503020204020204" pitchFamily="34" charset="-122"/>
+              </a:rPr>
+              <a:t>-exceptions</a:t>
             </a:r>
           </a:p>
           <a:p>
@@ -12060,7 +12075,7 @@
               <a:buFont typeface="Wingdings" charset="2"/>
               <a:buChar char="ü"/>
             </a:pPr>
-            <a:endParaRPr lang="en-US" altLang="zh-CN" sz="1600">
+            <a:endParaRPr lang="en-US" altLang="zh-CN" sz="1600" dirty="0">
               <a:solidFill>
                 <a:schemeClr val="tx1">
                   <a:lumMod val="65000"/>
@@ -12080,7 +12095,7 @@
               <a:buChar char="p"/>
             </a:pPr>
             <a:r>
-              <a:rPr lang="zh-CN" altLang="en-US" sz="1600">
+              <a:rPr lang="zh-CN" altLang="en-US" sz="1600" dirty="0">
                 <a:solidFill>
                   <a:schemeClr val="tx1">
                     <a:lumMod val="65000"/>
@@ -12093,7 +12108,7 @@
               <a:t>利用</a:t>
             </a:r>
             <a:r>
-              <a:rPr lang="en-US" altLang="zh-CN" sz="1600">
+              <a:rPr lang="en-US" altLang="zh-CN" sz="1600" dirty="0" err="1">
                 <a:solidFill>
                   <a:schemeClr val="tx1">
                     <a:lumMod val="65000"/>
@@ -12106,7 +12121,7 @@
               <a:t>AppCode</a:t>
             </a:r>
             <a:r>
-              <a:rPr lang="zh-CN" altLang="en-US" sz="1600">
+              <a:rPr lang="zh-CN" altLang="en-US" sz="1600" dirty="0">
                 <a:solidFill>
                   <a:schemeClr val="tx1">
                     <a:lumMod val="65000"/>
@@ -12119,7 +12134,7 @@
               <a:t>（</a:t>
             </a:r>
             <a:r>
-              <a:rPr lang="en-US" altLang="zh-CN" sz="1600">
+              <a:rPr lang="en-US" altLang="zh-CN" sz="1600" dirty="0">
                 <a:solidFill>
                   <a:schemeClr val="tx1">
                     <a:lumMod val="65000"/>
@@ -12133,33 +12148,20 @@
               <a:t>https://www.jetbrains.com/objc/</a:t>
             </a:r>
             <a:r>
-              <a:rPr lang="zh-CN" altLang="en-US" sz="1600">
-                <a:solidFill>
-                  <a:schemeClr val="tx1">
-                    <a:lumMod val="65000"/>
-                    <a:lumOff val="35000"/>
-                  </a:schemeClr>
-                </a:solidFill>
-                <a:latin typeface="微软雅黑" panose="020B0503020204020204" pitchFamily="34" charset="-122"/>
-                <a:ea typeface="微软雅黑" panose="020B0503020204020204" pitchFamily="34" charset="-122"/>
-              </a:rPr>
-              <a:t>）检测未使用的代码：</a:t>
-            </a:r>
-            <a:r>
-              <a:rPr lang="zh-CN" altLang="en-US" sz="1600">
-                <a:solidFill>
-                  <a:schemeClr val="tx1">
-                    <a:lumMod val="65000"/>
-                    <a:lumOff val="35000"/>
-                  </a:schemeClr>
-                </a:solidFill>
-                <a:latin typeface="微软雅黑" panose="020B0503020204020204" pitchFamily="34" charset="-122"/>
-                <a:ea typeface="微软雅黑" panose="020B0503020204020204" pitchFamily="34" charset="-122"/>
-              </a:rPr>
-              <a:t>菜单栏 </a:t>
-            </a:r>
-            <a:r>
-              <a:rPr lang="en-US" altLang="zh-CN" sz="1600">
+              <a:rPr lang="zh-CN" altLang="en-US" sz="1600" dirty="0">
+                <a:solidFill>
+                  <a:schemeClr val="tx1">
+                    <a:lumMod val="65000"/>
+                    <a:lumOff val="35000"/>
+                  </a:schemeClr>
+                </a:solidFill>
+                <a:latin typeface="微软雅黑" panose="020B0503020204020204" pitchFamily="34" charset="-122"/>
+                <a:ea typeface="微软雅黑" panose="020B0503020204020204" pitchFamily="34" charset="-122"/>
+              </a:rPr>
+              <a:t>）检测未使用的代码：菜单栏 </a:t>
+            </a:r>
+            <a:r>
+              <a:rPr lang="en-US" altLang="zh-CN" sz="1600" dirty="0">
                 <a:solidFill>
                   <a:schemeClr val="tx1">
                     <a:lumMod val="65000"/>
@@ -12172,7 +12174,7 @@
               <a:t>-&gt;</a:t>
             </a:r>
             <a:r>
-              <a:rPr lang="zh-CN" altLang="en-US" sz="1600">
+              <a:rPr lang="zh-CN" altLang="en-US" sz="1600" dirty="0">
                 <a:solidFill>
                   <a:schemeClr val="tx1">
                     <a:lumMod val="65000"/>
@@ -12185,7 +12187,7 @@
               <a:t> </a:t>
             </a:r>
             <a:r>
-              <a:rPr lang="en-US" altLang="zh-CN" sz="1600">
+              <a:rPr lang="en-US" altLang="zh-CN" sz="1600" dirty="0">
                 <a:solidFill>
                   <a:schemeClr val="tx1">
                     <a:lumMod val="65000"/>
@@ -12198,7 +12200,7 @@
               <a:t>Code</a:t>
             </a:r>
             <a:r>
-              <a:rPr lang="zh-CN" altLang="en-US" sz="1600">
+              <a:rPr lang="zh-CN" altLang="en-US" sz="1600" dirty="0">
                 <a:solidFill>
                   <a:schemeClr val="tx1">
                     <a:lumMod val="65000"/>
@@ -12211,7 +12213,7 @@
               <a:t> </a:t>
             </a:r>
             <a:r>
-              <a:rPr lang="en-US" altLang="zh-CN" sz="1600">
+              <a:rPr lang="en-US" altLang="zh-CN" sz="1600" dirty="0">
                 <a:solidFill>
                   <a:schemeClr val="tx1">
                     <a:lumMod val="65000"/>
@@ -12224,7 +12226,7 @@
               <a:t>-&gt;</a:t>
             </a:r>
             <a:r>
-              <a:rPr lang="zh-CN" altLang="en-US" sz="1600">
+              <a:rPr lang="zh-CN" altLang="en-US" sz="1600" dirty="0">
                 <a:solidFill>
                   <a:schemeClr val="tx1">
                     <a:lumMod val="65000"/>
@@ -12237,7 +12239,7 @@
               <a:t> </a:t>
             </a:r>
             <a:r>
-              <a:rPr lang="en-US" altLang="zh-CN" sz="1600">
+              <a:rPr lang="en-US" altLang="zh-CN" sz="1600" dirty="0">
                 <a:solidFill>
                   <a:schemeClr val="tx1">
                     <a:lumMod val="65000"/>
@@ -12250,7 +12252,7 @@
               <a:t>Inspect</a:t>
             </a:r>
             <a:r>
-              <a:rPr lang="zh-CN" altLang="en-US" sz="1600">
+              <a:rPr lang="zh-CN" altLang="en-US" sz="1600" dirty="0">
                 <a:solidFill>
                   <a:schemeClr val="tx1">
                     <a:lumMod val="65000"/>
@@ -12263,7 +12265,7 @@
               <a:t> </a:t>
             </a:r>
             <a:r>
-              <a:rPr lang="en-US" altLang="zh-CN" sz="1600">
+              <a:rPr lang="en-US" altLang="zh-CN" sz="1600" dirty="0">
                 <a:solidFill>
                   <a:schemeClr val="tx1">
                     <a:lumMod val="65000"/>
@@ -12284,7 +12286,7 @@
               <a:buFont typeface="Wingdings" charset="2"/>
               <a:buChar char="ü"/>
             </a:pPr>
-            <a:endParaRPr lang="en-US" altLang="zh-CN" sz="1600">
+            <a:endParaRPr lang="en-US" altLang="zh-CN" sz="1600" dirty="0">
               <a:solidFill>
                 <a:schemeClr val="tx1">
                   <a:lumMod val="65000"/>
@@ -12304,7 +12306,7 @@
               <a:buChar char="p"/>
             </a:pPr>
             <a:r>
-              <a:rPr lang="zh-CN" altLang="en-US" sz="1600">
+              <a:rPr lang="zh-CN" altLang="en-US" sz="1600" dirty="0">
                 <a:solidFill>
                   <a:schemeClr val="tx1">
                     <a:lumMod val="65000"/>
@@ -12317,7 +12319,7 @@
               <a:t>编写</a:t>
             </a:r>
             <a:r>
-              <a:rPr lang="en-US" altLang="zh-CN" sz="1600">
+              <a:rPr lang="en-US" altLang="zh-CN" sz="1600" dirty="0">
                 <a:solidFill>
                   <a:schemeClr val="tx1">
                     <a:lumMod val="65000"/>
@@ -12330,7 +12332,7 @@
               <a:t>LLVM</a:t>
             </a:r>
             <a:r>
-              <a:rPr lang="zh-CN" altLang="en-US" sz="1600">
+              <a:rPr lang="zh-CN" altLang="en-US" sz="1600" dirty="0">
                 <a:solidFill>
                   <a:schemeClr val="tx1">
                     <a:lumMod val="65000"/>
@@ -12342,7 +12344,7 @@
               </a:rPr>
               <a:t>插件检测出重复代码、未被调用的代码</a:t>
             </a:r>
-            <a:endParaRPr lang="en-US" altLang="zh-CN" sz="1600">
+            <a:endParaRPr lang="en-US" altLang="zh-CN" sz="1600" dirty="0">
               <a:solidFill>
                 <a:schemeClr val="tx1">
                   <a:lumMod val="65000"/>
@@ -12361,7 +12363,7 @@
               <a:buFont typeface="Wingdings" charset="2"/>
               <a:buChar char="p"/>
             </a:pPr>
-            <a:endParaRPr lang="en-US" altLang="zh-CN" sz="1600">
+            <a:endParaRPr lang="en-US" altLang="zh-CN" sz="1600" dirty="0">
               <a:solidFill>
                 <a:schemeClr val="tx1">
                   <a:lumMod val="65000"/>
@@ -13049,7 +13051,7 @@
           <p:cNvPr id="4" name="标题 3">
             <a:extLst>
               <a:ext uri="{FF2B5EF4-FFF2-40B4-BE49-F238E27FC236}">
-                <a16:creationId xmlns="" xmlns:a16="http://schemas.microsoft.com/office/drawing/2014/main" id="{5DCC7AE5-7EF9-4964-8408-F84B72D5D253}"/>
+                <a16:creationId xmlns:a16="http://schemas.microsoft.com/office/drawing/2014/main" id="{5DCC7AE5-7EF9-4964-8408-F84B72D5D253}"/>
               </a:ext>
             </a:extLst>
           </p:cNvPr>
@@ -13575,7 +13577,7 @@
           <p:cNvPr id="4" name="标题 3">
             <a:extLst>
               <a:ext uri="{FF2B5EF4-FFF2-40B4-BE49-F238E27FC236}">
-                <a16:creationId xmlns="" xmlns:a16="http://schemas.microsoft.com/office/drawing/2014/main" id="{5DCC7AE5-7EF9-4964-8408-F84B72D5D253}"/>
+                <a16:creationId xmlns:a16="http://schemas.microsoft.com/office/drawing/2014/main" id="{5DCC7AE5-7EF9-4964-8408-F84B72D5D253}"/>
               </a:ext>
             </a:extLst>
           </p:cNvPr>
@@ -13592,10 +13594,10 @@
           <a:lstStyle/>
           <a:p>
             <a:r>
-              <a:rPr lang="en-US" altLang="zh-CN"/>
+              <a:rPr lang="en-US" altLang="zh-CN" dirty="0" err="1"/>
               <a:t>LinkMap</a:t>
             </a:r>
-            <a:endParaRPr lang="zh-CN" altLang="en-US"/>
+            <a:endParaRPr lang="zh-CN" altLang="en-US" dirty="0"/>
           </a:p>
         </p:txBody>
       </p:sp>
@@ -13717,7 +13719,7 @@
         </p:nvSpPr>
         <p:spPr>
           <a:xfrm>
-            <a:off x="376691" y="4247219"/>
+            <a:off x="244611" y="4247219"/>
             <a:ext cx="11501313" cy="465306"/>
           </a:xfrm>
           <a:prstGeom prst="rect">
@@ -13739,7 +13741,7 @@
               <a:buChar char="n"/>
             </a:pPr>
             <a:r>
-              <a:rPr lang="zh-CN" altLang="en-US" sz="1600">
+              <a:rPr lang="zh-CN" altLang="en-US" sz="1600" dirty="0">
                 <a:solidFill>
                   <a:schemeClr val="tx1">
                     <a:lumMod val="65000"/>
@@ -13752,7 +13754,7 @@
               <a:t>可借助第三方工具解析</a:t>
             </a:r>
             <a:r>
-              <a:rPr lang="en-US" altLang="zh-CN" sz="1600">
+              <a:rPr lang="en-US" altLang="zh-CN" sz="1600" dirty="0" err="1">
                 <a:solidFill>
                   <a:schemeClr val="tx1">
                     <a:lumMod val="65000"/>
@@ -13765,7 +13767,7 @@
               <a:t>LinkMap</a:t>
             </a:r>
             <a:r>
-              <a:rPr lang="zh-CN" altLang="en-US" sz="1600">
+              <a:rPr lang="zh-CN" altLang="en-US" sz="1600" dirty="0">
                 <a:solidFill>
                   <a:schemeClr val="tx1">
                     <a:lumMod val="65000"/>
@@ -13778,7 +13780,7 @@
               <a:t>文件：</a:t>
             </a:r>
             <a:r>
-              <a:rPr lang="en-US" altLang="zh-CN" sz="1600">
+              <a:rPr lang="en-US" altLang="zh-CN" sz="1600" dirty="0">
                 <a:solidFill>
                   <a:schemeClr val="tx1">
                     <a:lumMod val="65000"/>
@@ -13791,7 +13793,7 @@
               <a:t> </a:t>
             </a:r>
             <a:r>
-              <a:rPr lang="en-US" altLang="zh-CN" sz="1600">
+              <a:rPr lang="en-US" altLang="zh-CN" sz="1600" dirty="0">
                 <a:solidFill>
                   <a:schemeClr val="tx1">
                     <a:lumMod val="65000"/>
@@ -13804,7 +13806,7 @@
               </a:rPr>
               <a:t>https://github.com/huanxsd/LinkMap</a:t>
             </a:r>
-            <a:endParaRPr lang="en-US" altLang="zh-CN" sz="1600">
+            <a:endParaRPr lang="en-US" altLang="zh-CN" sz="1600" dirty="0">
               <a:solidFill>
                 <a:schemeClr val="tx1">
                   <a:lumMod val="65000"/>
@@ -14049,7 +14051,7 @@
           <p:cNvPr id="4" name="标题 3">
             <a:extLst>
               <a:ext uri="{FF2B5EF4-FFF2-40B4-BE49-F238E27FC236}">
-                <a16:creationId xmlns="" xmlns:a16="http://schemas.microsoft.com/office/drawing/2014/main" id="{5DCC7AE5-7EF9-4964-8408-F84B72D5D253}"/>
+                <a16:creationId xmlns:a16="http://schemas.microsoft.com/office/drawing/2014/main" id="{5DCC7AE5-7EF9-4964-8408-F84B72D5D253}"/>
               </a:ext>
             </a:extLst>
           </p:cNvPr>
@@ -16102,7 +16104,7 @@
           <p:cNvPr id="4" name="标题 3">
             <a:extLst>
               <a:ext uri="{FF2B5EF4-FFF2-40B4-BE49-F238E27FC236}">
-                <a16:creationId xmlns="" xmlns:a16="http://schemas.microsoft.com/office/drawing/2014/main" id="{5DCC7AE5-7EF9-4964-8408-F84B72D5D253}"/>
+                <a16:creationId xmlns:a16="http://schemas.microsoft.com/office/drawing/2014/main" id="{5DCC7AE5-7EF9-4964-8408-F84B72D5D253}"/>
               </a:ext>
             </a:extLst>
           </p:cNvPr>
@@ -17075,7 +17077,7 @@
           <p:cNvPr id="4" name="标题 3">
             <a:extLst>
               <a:ext uri="{FF2B5EF4-FFF2-40B4-BE49-F238E27FC236}">
-                <a16:creationId xmlns="" xmlns:a16="http://schemas.microsoft.com/office/drawing/2014/main" id="{5DCC7AE5-7EF9-4964-8408-F84B72D5D253}"/>
+                <a16:creationId xmlns:a16="http://schemas.microsoft.com/office/drawing/2014/main" id="{5DCC7AE5-7EF9-4964-8408-F84B72D5D253}"/>
               </a:ext>
             </a:extLst>
           </p:cNvPr>
@@ -18117,16 +18119,6 @@
               </a:rPr>
               <a:t>信号</a:t>
             </a:r>
-            <a:endParaRPr lang="zh-CN" altLang="en-US" sz="1600">
-              <a:solidFill>
-                <a:schemeClr val="tx1">
-                  <a:lumMod val="65000"/>
-                  <a:lumOff val="35000"/>
-                </a:schemeClr>
-              </a:solidFill>
-              <a:latin typeface="微软雅黑" panose="020B0503020204020204" pitchFamily="34" charset="-122"/>
-              <a:ea typeface="微软雅黑" panose="020B0503020204020204" pitchFamily="34" charset="-122"/>
-            </a:endParaRPr>
           </a:p>
         </p:txBody>
       </p:sp>
@@ -19057,7 +19049,7 @@
           <p:cNvPr id="4" name="标题 3">
             <a:extLst>
               <a:ext uri="{FF2B5EF4-FFF2-40B4-BE49-F238E27FC236}">
-                <a16:creationId xmlns="" xmlns:a16="http://schemas.microsoft.com/office/drawing/2014/main" id="{5DCC7AE5-7EF9-4964-8408-F84B72D5D253}"/>
+                <a16:creationId xmlns:a16="http://schemas.microsoft.com/office/drawing/2014/main" id="{5DCC7AE5-7EF9-4964-8408-F84B72D5D253}"/>
               </a:ext>
             </a:extLst>
           </p:cNvPr>
@@ -20465,7 +20457,7 @@
           <p:cNvPr id="4" name="标题 3">
             <a:extLst>
               <a:ext uri="{FF2B5EF4-FFF2-40B4-BE49-F238E27FC236}">
-                <a16:creationId xmlns="" xmlns:a16="http://schemas.microsoft.com/office/drawing/2014/main" id="{5DCC7AE5-7EF9-4964-8408-F84B72D5D253}"/>
+                <a16:creationId xmlns:a16="http://schemas.microsoft.com/office/drawing/2014/main" id="{5DCC7AE5-7EF9-4964-8408-F84B72D5D253}"/>
               </a:ext>
             </a:extLst>
           </p:cNvPr>
@@ -21288,7 +21280,7 @@
           <p:cNvPr id="4" name="标题 3">
             <a:extLst>
               <a:ext uri="{FF2B5EF4-FFF2-40B4-BE49-F238E27FC236}">
-                <a16:creationId xmlns="" xmlns:a16="http://schemas.microsoft.com/office/drawing/2014/main" id="{5DCC7AE5-7EF9-4964-8408-F84B72D5D253}"/>
+                <a16:creationId xmlns:a16="http://schemas.microsoft.com/office/drawing/2014/main" id="{5DCC7AE5-7EF9-4964-8408-F84B72D5D253}"/>
               </a:ext>
             </a:extLst>
           </p:cNvPr>
@@ -23177,7 +23169,7 @@
           <p:cNvPr id="4" name="标题 3">
             <a:extLst>
               <a:ext uri="{FF2B5EF4-FFF2-40B4-BE49-F238E27FC236}">
-                <a16:creationId xmlns="" xmlns:a16="http://schemas.microsoft.com/office/drawing/2014/main" id="{5DCC7AE5-7EF9-4964-8408-F84B72D5D253}"/>
+                <a16:creationId xmlns:a16="http://schemas.microsoft.com/office/drawing/2014/main" id="{5DCC7AE5-7EF9-4964-8408-F84B72D5D253}"/>
               </a:ext>
             </a:extLst>
           </p:cNvPr>

--- a/document/底层课件/06-性能优化.pptx
+++ b/document/底层课件/06-性能优化.pptx
@@ -332,7 +332,7 @@
           <a:p>
             <a:fld id="{2B87634C-074B-4260-9010-E574428551B5}" type="datetimeFigureOut">
               <a:rPr lang="zh-CN" altLang="en-US" smtClean="0"/>
-              <a:t>2019/12/23</a:t>
+              <a:t>2023/10/14</a:t>
             </a:fld>
             <a:endParaRPr lang="zh-CN" altLang="en-US"/>
           </a:p>
@@ -509,7 +509,7 @@
           <a:p>
             <a:fld id="{C25591C1-7BBD-4BAD-9912-0ADD21A74F01}" type="datetimeFigureOut">
               <a:rPr lang="zh-CN" altLang="en-US" smtClean="0"/>
-              <a:t>2019/12/23</a:t>
+              <a:t>2023/10/14</a:t>
             </a:fld>
             <a:endParaRPr lang="zh-CN" altLang="en-US"/>
           </a:p>
@@ -1564,7 +1564,7 @@
           <a:p>
             <a:fld id="{72D8E73B-0927-45CC-BC19-B5A752C4C781}" type="datetimeFigureOut">
               <a:rPr lang="zh-CN" altLang="en-US" smtClean="0"/>
-              <a:t>2019/12/23</a:t>
+              <a:t>2023/10/14</a:t>
             </a:fld>
             <a:endParaRPr lang="zh-CN" altLang="en-US"/>
           </a:p>
@@ -5670,7 +5670,7 @@
               <a:buChar char="n"/>
             </a:pPr>
             <a:r>
-              <a:rPr lang="en-US" altLang="zh-CN" sz="1600" dirty="0">
+              <a:rPr lang="en-US" altLang="zh-CN" sz="1600">
                 <a:solidFill>
                   <a:schemeClr val="tx1">
                     <a:lumMod val="65000"/>
@@ -5683,7 +5683,7 @@
               <a:t>APP</a:t>
             </a:r>
             <a:r>
-              <a:rPr lang="zh-CN" altLang="en-US" sz="1600" dirty="0">
+              <a:rPr lang="zh-CN" altLang="en-US" sz="1600">
                 <a:solidFill>
                   <a:schemeClr val="tx1">
                     <a:lumMod val="65000"/>
@@ -5696,7 +5696,7 @@
               <a:t>的启动可以分为</a:t>
             </a:r>
             <a:r>
-              <a:rPr lang="en-US" altLang="zh-CN" sz="1600" dirty="0">
+              <a:rPr lang="en-US" altLang="zh-CN" sz="1600">
                 <a:solidFill>
                   <a:schemeClr val="tx1">
                     <a:lumMod val="65000"/>
@@ -5709,7 +5709,7 @@
               <a:t>2</a:t>
             </a:r>
             <a:r>
-              <a:rPr lang="zh-CN" altLang="en-US" sz="1600" dirty="0">
+              <a:rPr lang="zh-CN" altLang="en-US" sz="1600">
                 <a:solidFill>
                   <a:schemeClr val="tx1">
                     <a:lumMod val="65000"/>
@@ -5721,7 +5721,7 @@
               </a:rPr>
               <a:t>种</a:t>
             </a:r>
-            <a:endParaRPr lang="en-US" altLang="zh-CN" sz="1600" dirty="0">
+            <a:endParaRPr lang="en-US" altLang="zh-CN" sz="1600">
               <a:solidFill>
                 <a:schemeClr val="tx1">
                   <a:lumMod val="65000"/>
@@ -5741,7 +5741,7 @@
               <a:buChar char="p"/>
             </a:pPr>
             <a:r>
-              <a:rPr lang="zh-CN" altLang="en-US" sz="1600" dirty="0">
+              <a:rPr lang="zh-CN" altLang="en-US" sz="1600">
                 <a:solidFill>
                   <a:schemeClr val="tx1">
                     <a:lumMod val="65000"/>
@@ -5754,7 +5754,7 @@
               <a:t>冷启动（</a:t>
             </a:r>
             <a:r>
-              <a:rPr lang="en-US" altLang="zh-CN" sz="1600" dirty="0">
+              <a:rPr lang="en-US" altLang="zh-CN" sz="1600">
                 <a:solidFill>
                   <a:schemeClr val="tx1">
                     <a:lumMod val="65000"/>
@@ -5767,7 +5767,7 @@
               <a:t>Cold</a:t>
             </a:r>
             <a:r>
-              <a:rPr lang="zh-CN" altLang="en-US" sz="1600" dirty="0">
+              <a:rPr lang="zh-CN" altLang="en-US" sz="1600">
                 <a:solidFill>
                   <a:schemeClr val="tx1">
                     <a:lumMod val="65000"/>
@@ -5780,7 +5780,7 @@
               <a:t> </a:t>
             </a:r>
             <a:r>
-              <a:rPr lang="en-US" altLang="zh-CN" sz="1600" dirty="0">
+              <a:rPr lang="en-US" altLang="zh-CN" sz="1600">
                 <a:solidFill>
                   <a:schemeClr val="tx1">
                     <a:lumMod val="65000"/>
@@ -5793,7 +5793,7 @@
               <a:t>Launch</a:t>
             </a:r>
             <a:r>
-              <a:rPr lang="zh-CN" altLang="en-US" sz="1600" dirty="0">
+              <a:rPr lang="zh-CN" altLang="en-US" sz="1600">
                 <a:solidFill>
                   <a:schemeClr val="tx1">
                     <a:lumMod val="65000"/>
@@ -5806,7 +5806,7 @@
               <a:t>）：从零开始启动</a:t>
             </a:r>
             <a:r>
-              <a:rPr lang="en-US" altLang="zh-CN" sz="1600" dirty="0">
+              <a:rPr lang="en-US" altLang="zh-CN" sz="1600">
                 <a:solidFill>
                   <a:schemeClr val="tx1">
                     <a:lumMod val="65000"/>
@@ -5828,7 +5828,7 @@
               <a:buChar char="p"/>
             </a:pPr>
             <a:r>
-              <a:rPr lang="zh-CN" altLang="en-US" sz="1600" dirty="0">
+              <a:rPr lang="zh-CN" altLang="en-US" sz="1600">
                 <a:solidFill>
                   <a:schemeClr val="tx1">
                     <a:lumMod val="65000"/>
@@ -5841,7 +5841,7 @@
               <a:t>热启动（</a:t>
             </a:r>
             <a:r>
-              <a:rPr lang="en-US" altLang="zh-CN" sz="1600" dirty="0">
+              <a:rPr lang="en-US" altLang="zh-CN" sz="1600">
                 <a:solidFill>
                   <a:schemeClr val="tx1">
                     <a:lumMod val="65000"/>
@@ -5854,7 +5854,7 @@
               <a:t>Warm</a:t>
             </a:r>
             <a:r>
-              <a:rPr lang="zh-CN" altLang="en-US" sz="1600" dirty="0">
+              <a:rPr lang="zh-CN" altLang="en-US" sz="1600">
                 <a:solidFill>
                   <a:schemeClr val="tx1">
                     <a:lumMod val="65000"/>
@@ -5867,7 +5867,7 @@
               <a:t> </a:t>
             </a:r>
             <a:r>
-              <a:rPr lang="en-US" altLang="zh-CN" sz="1600" dirty="0">
+              <a:rPr lang="en-US" altLang="zh-CN" sz="1600">
                 <a:solidFill>
                   <a:schemeClr val="tx1">
                     <a:lumMod val="65000"/>
@@ -5880,7 +5880,7 @@
               <a:t>Launch</a:t>
             </a:r>
             <a:r>
-              <a:rPr lang="zh-CN" altLang="en-US" sz="1600" dirty="0">
+              <a:rPr lang="zh-CN" altLang="en-US" sz="1600">
                 <a:solidFill>
                   <a:schemeClr val="tx1">
                     <a:lumMod val="65000"/>
@@ -5893,7 +5893,7 @@
               <a:t>）：</a:t>
             </a:r>
             <a:r>
-              <a:rPr lang="en-US" altLang="zh-CN" sz="1600" dirty="0">
+              <a:rPr lang="en-US" altLang="zh-CN" sz="1600">
                 <a:solidFill>
                   <a:schemeClr val="tx1">
                     <a:lumMod val="65000"/>
@@ -5906,7 +5906,7 @@
               <a:t>APP</a:t>
             </a:r>
             <a:r>
-              <a:rPr lang="zh-CN" altLang="en-US" sz="1600" dirty="0">
+              <a:rPr lang="zh-CN" altLang="en-US" sz="1600">
                 <a:solidFill>
                   <a:schemeClr val="tx1">
                     <a:lumMod val="65000"/>
@@ -5919,7 +5919,7 @@
               <a:t>已经在内存中，在后台存活着，再次点击图标启动</a:t>
             </a:r>
             <a:r>
-              <a:rPr lang="en-US" altLang="zh-CN" sz="1600" dirty="0">
+              <a:rPr lang="en-US" altLang="zh-CN" sz="1600">
                 <a:solidFill>
                   <a:schemeClr val="tx1">
                     <a:lumMod val="65000"/>
@@ -5940,7 +5940,7 @@
               <a:buFont typeface="Wingdings" charset="2"/>
               <a:buChar char="p"/>
             </a:pPr>
-            <a:endParaRPr lang="en-US" altLang="zh-CN" sz="1600" dirty="0">
+            <a:endParaRPr lang="en-US" altLang="zh-CN" sz="1600">
               <a:solidFill>
                 <a:schemeClr val="tx1">
                   <a:lumMod val="65000"/>
@@ -5960,7 +5960,7 @@
               <a:buChar char="n"/>
             </a:pPr>
             <a:r>
-              <a:rPr lang="en-US" altLang="zh-CN" sz="1600" dirty="0">
+              <a:rPr lang="en-US" altLang="zh-CN" sz="1600">
                 <a:solidFill>
                   <a:schemeClr val="tx1">
                     <a:lumMod val="65000"/>
@@ -5973,7 +5973,7 @@
               <a:t>APP</a:t>
             </a:r>
             <a:r>
-              <a:rPr lang="zh-CN" altLang="en-US" sz="1600" dirty="0">
+              <a:rPr lang="zh-CN" altLang="en-US" sz="1600">
                 <a:solidFill>
                   <a:schemeClr val="tx1">
                     <a:lumMod val="65000"/>
@@ -5985,7 +5985,7 @@
               </a:rPr>
               <a:t>启动时间的优化，主要是针对冷启动进行优化</a:t>
             </a:r>
-            <a:endParaRPr lang="en-US" altLang="zh-CN" sz="1600" dirty="0">
+            <a:endParaRPr lang="en-US" altLang="zh-CN" sz="1600">
               <a:solidFill>
                 <a:schemeClr val="tx1">
                   <a:lumMod val="65000"/>
@@ -6004,7 +6004,7 @@
               <a:buFont typeface="Wingdings" charset="2"/>
               <a:buChar char="n"/>
             </a:pPr>
-            <a:endParaRPr lang="en-US" altLang="zh-CN" sz="1600" dirty="0">
+            <a:endParaRPr lang="en-US" altLang="zh-CN" sz="1600">
               <a:solidFill>
                 <a:schemeClr val="tx1">
                   <a:lumMod val="65000"/>
@@ -6024,7 +6024,7 @@
               <a:buChar char="n"/>
             </a:pPr>
             <a:r>
-              <a:rPr lang="zh-CN" altLang="en-US" sz="1600" dirty="0">
+              <a:rPr lang="zh-CN" altLang="en-US" sz="1600">
                 <a:solidFill>
                   <a:schemeClr val="tx1">
                     <a:lumMod val="65000"/>
@@ -6037,7 +6037,7 @@
               <a:t>通过添加环境变量可以打印出</a:t>
             </a:r>
             <a:r>
-              <a:rPr lang="en-US" altLang="zh-CN" sz="1600" dirty="0">
+              <a:rPr lang="en-US" altLang="zh-CN" sz="1600">
                 <a:solidFill>
                   <a:schemeClr val="tx1">
                     <a:lumMod val="65000"/>
@@ -6050,7 +6050,7 @@
               <a:t>APP</a:t>
             </a:r>
             <a:r>
-              <a:rPr lang="zh-CN" altLang="en-US" sz="1600" dirty="0">
+              <a:rPr lang="zh-CN" altLang="en-US" sz="1600">
                 <a:solidFill>
                   <a:schemeClr val="tx1">
                     <a:lumMod val="65000"/>
@@ -6063,7 +6063,7 @@
               <a:t>的启动时间分析（</a:t>
             </a:r>
             <a:r>
-              <a:rPr lang="en-US" altLang="zh-CN" sz="1600" dirty="0">
+              <a:rPr lang="en-US" altLang="zh-CN" sz="1600">
                 <a:solidFill>
                   <a:schemeClr val="tx1">
                     <a:lumMod val="65000"/>
@@ -6076,7 +6076,7 @@
               <a:t>Edit scheme -&gt; Run -&gt; Arguments</a:t>
             </a:r>
             <a:r>
-              <a:rPr lang="zh-CN" altLang="en-US" sz="1600" dirty="0">
+              <a:rPr lang="zh-CN" altLang="en-US" sz="1600">
                 <a:solidFill>
                   <a:schemeClr val="tx1">
                     <a:lumMod val="65000"/>
@@ -6088,7 +6088,7 @@
               </a:rPr>
               <a:t>）</a:t>
             </a:r>
-            <a:endParaRPr lang="en-US" altLang="zh-CN" sz="1600" dirty="0">
+            <a:endParaRPr lang="en-US" altLang="zh-CN" sz="1600">
               <a:solidFill>
                 <a:schemeClr val="tx1">
                   <a:lumMod val="65000"/>
@@ -6108,7 +6108,7 @@
               <a:buChar char="p"/>
             </a:pPr>
             <a:r>
-              <a:rPr lang="en-US" altLang="zh-CN" sz="1600" dirty="0">
+              <a:rPr lang="en-US" altLang="zh-CN" sz="1600">
                 <a:solidFill>
                   <a:schemeClr val="tx1">
                     <a:lumMod val="65000"/>
@@ -6121,7 +6121,7 @@
               <a:t>DYLD_PRINT_STATISTICS</a:t>
             </a:r>
             <a:r>
-              <a:rPr lang="zh-CN" altLang="en-US" sz="1600" dirty="0">
+              <a:rPr lang="zh-CN" altLang="en-US" sz="1600">
                 <a:solidFill>
                   <a:schemeClr val="tx1">
                     <a:lumMod val="65000"/>
@@ -6134,7 +6134,7 @@
               <a:t>设置为</a:t>
             </a:r>
             <a:r>
-              <a:rPr lang="en-US" altLang="zh-CN" sz="1600" dirty="0">
+              <a:rPr lang="en-US" altLang="zh-CN" sz="1600">
                 <a:solidFill>
                   <a:schemeClr val="tx1">
                     <a:lumMod val="65000"/>
@@ -6156,7 +6156,7 @@
               <a:buChar char="p"/>
             </a:pPr>
             <a:r>
-              <a:rPr lang="zh-CN" altLang="en-US" sz="1600" dirty="0">
+              <a:rPr lang="zh-CN" altLang="en-US" sz="1600">
                 <a:solidFill>
                   <a:schemeClr val="tx1">
                     <a:lumMod val="65000"/>
@@ -6169,7 +6169,7 @@
               <a:t>如果需要更详细的信息，那就将</a:t>
             </a:r>
             <a:r>
-              <a:rPr lang="en-US" altLang="zh-CN" sz="1600" dirty="0">
+              <a:rPr lang="en-US" altLang="zh-CN" sz="1600">
                 <a:solidFill>
                   <a:schemeClr val="tx1">
                     <a:lumMod val="65000"/>
@@ -6182,7 +6182,7 @@
               <a:t>DYLD_PRINT_STATISTICS_DETAILS</a:t>
             </a:r>
             <a:r>
-              <a:rPr lang="zh-CN" altLang="en-US" sz="1600" dirty="0">
+              <a:rPr lang="zh-CN" altLang="en-US" sz="1600">
                 <a:solidFill>
                   <a:schemeClr val="tx1">
                     <a:lumMod val="65000"/>
@@ -6195,7 +6195,7 @@
               <a:t>设置为</a:t>
             </a:r>
             <a:r>
-              <a:rPr lang="en-US" altLang="zh-CN" sz="1600" dirty="0">
+              <a:rPr lang="en-US" altLang="zh-CN" sz="1600">
                 <a:solidFill>
                   <a:schemeClr val="tx1">
                     <a:lumMod val="65000"/>
@@ -11528,7 +11528,7 @@
               <a:buChar char="n"/>
             </a:pPr>
             <a:r>
-              <a:rPr lang="zh-CN" altLang="en-US" sz="1600" dirty="0">
+              <a:rPr lang="zh-CN" altLang="en-US" sz="1600">
                 <a:solidFill>
                   <a:schemeClr val="tx1">
                     <a:lumMod val="65000"/>
@@ -11541,7 +11541,7 @@
               <a:t>安装包（</a:t>
             </a:r>
             <a:r>
-              <a:rPr lang="en-US" altLang="zh-CN" sz="1600" dirty="0">
+              <a:rPr lang="en-US" altLang="zh-CN" sz="1600">
                 <a:solidFill>
                   <a:schemeClr val="tx1">
                     <a:lumMod val="65000"/>
@@ -11554,7 +11554,7 @@
               <a:t>IPA</a:t>
             </a:r>
             <a:r>
-              <a:rPr lang="zh-CN" altLang="en-US" sz="1600" dirty="0">
+              <a:rPr lang="zh-CN" altLang="en-US" sz="1600">
                 <a:solidFill>
                   <a:schemeClr val="tx1">
                     <a:lumMod val="65000"/>
@@ -11566,7 +11566,7 @@
               </a:rPr>
               <a:t>）主要由可执行文件、资源组成</a:t>
             </a:r>
-            <a:endParaRPr lang="en-US" altLang="zh-CN" sz="1600" dirty="0">
+            <a:endParaRPr lang="en-US" altLang="zh-CN" sz="1600">
               <a:solidFill>
                 <a:schemeClr val="tx1">
                   <a:lumMod val="65000"/>
@@ -11585,7 +11585,7 @@
               <a:buFont typeface="Wingdings" charset="2"/>
               <a:buChar char="n"/>
             </a:pPr>
-            <a:endParaRPr lang="en-US" altLang="zh-CN" sz="1600" dirty="0">
+            <a:endParaRPr lang="en-US" altLang="zh-CN" sz="1600">
               <a:solidFill>
                 <a:schemeClr val="tx1">
                   <a:lumMod val="65000"/>
@@ -11605,7 +11605,7 @@
               <a:buChar char="n"/>
             </a:pPr>
             <a:r>
-              <a:rPr lang="zh-CN" altLang="en-US" sz="1600" dirty="0">
+              <a:rPr lang="zh-CN" altLang="en-US" sz="1600">
                 <a:solidFill>
                   <a:schemeClr val="tx1">
                     <a:lumMod val="65000"/>
@@ -11617,7 +11617,7 @@
               </a:rPr>
               <a:t>资源（图片、音频、视频等）</a:t>
             </a:r>
-            <a:endParaRPr lang="en-US" altLang="zh-CN" sz="1600" dirty="0">
+            <a:endParaRPr lang="en-US" altLang="zh-CN" sz="1600">
               <a:solidFill>
                 <a:schemeClr val="tx1">
                   <a:lumMod val="65000"/>
@@ -11637,7 +11637,7 @@
               <a:buChar char="p"/>
             </a:pPr>
             <a:r>
-              <a:rPr lang="zh-CN" altLang="en-US" sz="1600" dirty="0">
+              <a:rPr lang="zh-CN" altLang="en-US" sz="1600">
                 <a:solidFill>
                   <a:schemeClr val="tx1">
                     <a:lumMod val="65000"/>
@@ -11649,7 +11649,7 @@
               </a:rPr>
               <a:t>采取无损压缩</a:t>
             </a:r>
-            <a:endParaRPr lang="en-US" altLang="zh-CN" sz="1600" dirty="0">
+            <a:endParaRPr lang="en-US" altLang="zh-CN" sz="1600">
               <a:solidFill>
                 <a:schemeClr val="tx1">
                   <a:lumMod val="65000"/>
@@ -11669,7 +11669,7 @@
               <a:buChar char="p"/>
             </a:pPr>
             <a:r>
-              <a:rPr lang="zh-CN" altLang="en-US" sz="1600" dirty="0">
+              <a:rPr lang="zh-CN" altLang="en-US" sz="1600">
                 <a:solidFill>
                   <a:schemeClr val="tx1">
                     <a:lumMod val="65000"/>
@@ -11682,7 +11682,7 @@
               <a:t>去除没有用到的资源：</a:t>
             </a:r>
             <a:r>
-              <a:rPr lang="en-US" altLang="zh-CN" sz="1600" dirty="0">
+              <a:rPr lang="en-US" altLang="zh-CN" sz="1600">
                 <a:solidFill>
                   <a:schemeClr val="tx1">
                     <a:lumMod val="65000"/>
@@ -11695,7 +11695,7 @@
               <a:t> </a:t>
             </a:r>
             <a:r>
-              <a:rPr lang="en-US" altLang="zh-CN" sz="1600" dirty="0">
+              <a:rPr lang="en-US" altLang="zh-CN" sz="1600">
                 <a:solidFill>
                   <a:schemeClr val="tx1">
                     <a:lumMod val="65000"/>
@@ -11708,7 +11708,7 @@
               </a:rPr>
               <a:t>https://github.com/tinymind/LSUnusedResources</a:t>
             </a:r>
-            <a:endParaRPr lang="en-US" altLang="zh-CN" sz="1600" dirty="0">
+            <a:endParaRPr lang="en-US" altLang="zh-CN" sz="1600">
               <a:solidFill>
                 <a:schemeClr val="tx1">
                   <a:lumMod val="65000"/>
@@ -11727,7 +11727,7 @@
               <a:buFont typeface="Wingdings" charset="2"/>
               <a:buChar char="n"/>
             </a:pPr>
-            <a:endParaRPr lang="en-US" altLang="zh-CN" sz="1600" dirty="0">
+            <a:endParaRPr lang="en-US" altLang="zh-CN" sz="1600">
               <a:solidFill>
                 <a:schemeClr val="tx1">
                   <a:lumMod val="65000"/>
@@ -11747,7 +11747,7 @@
               <a:buChar char="n"/>
             </a:pPr>
             <a:r>
-              <a:rPr lang="zh-CN" altLang="en-US" sz="1600" dirty="0">
+              <a:rPr lang="zh-CN" altLang="en-US" sz="1600">
                 <a:solidFill>
                   <a:schemeClr val="tx1">
                     <a:lumMod val="65000"/>
@@ -11759,7 +11759,7 @@
               </a:rPr>
               <a:t>可执行文件瘦身</a:t>
             </a:r>
-            <a:endParaRPr lang="en-US" altLang="zh-CN" sz="1600" dirty="0">
+            <a:endParaRPr lang="en-US" altLang="zh-CN" sz="1600">
               <a:solidFill>
                 <a:schemeClr val="tx1">
                   <a:lumMod val="65000"/>
@@ -11779,7 +11779,7 @@
               <a:buChar char="p"/>
             </a:pPr>
             <a:r>
-              <a:rPr lang="zh-CN" altLang="en-US" sz="1600" dirty="0">
+              <a:rPr lang="zh-CN" altLang="en-US" sz="1600">
                 <a:solidFill>
                   <a:schemeClr val="tx1">
                     <a:lumMod val="65000"/>
@@ -11791,7 +11791,7 @@
               </a:rPr>
               <a:t>编译器优化</a:t>
             </a:r>
-            <a:endParaRPr lang="en-US" altLang="zh-CN" sz="1600" dirty="0">
+            <a:endParaRPr lang="en-US" altLang="zh-CN" sz="1600">
               <a:solidFill>
                 <a:schemeClr val="tx1">
                   <a:lumMod val="65000"/>
@@ -11811,7 +11811,7 @@
               <a:buChar char="ü"/>
             </a:pPr>
             <a:r>
-              <a:rPr lang="en-US" altLang="zh-CN" sz="1600" dirty="0">
+              <a:rPr lang="en-US" altLang="zh-CN" sz="1600">
                 <a:solidFill>
                   <a:schemeClr val="tx1">
                     <a:lumMod val="65000"/>
@@ -11824,7 +11824,7 @@
               <a:t>Strip Linked Product</a:t>
             </a:r>
             <a:r>
-              <a:rPr lang="zh-CN" altLang="en-US" sz="1600" dirty="0">
+              <a:rPr lang="zh-CN" altLang="en-US" sz="1600">
                 <a:solidFill>
                   <a:schemeClr val="tx1">
                     <a:lumMod val="65000"/>
@@ -11837,7 +11837,7 @@
               <a:t>、</a:t>
             </a:r>
             <a:r>
-              <a:rPr lang="en-US" altLang="zh-CN" sz="1600" dirty="0">
+              <a:rPr lang="en-US" altLang="zh-CN" sz="1600">
                 <a:solidFill>
                   <a:schemeClr val="tx1">
                     <a:lumMod val="65000"/>
@@ -11850,7 +11850,7 @@
               <a:t>Make Strings Read-Only</a:t>
             </a:r>
             <a:r>
-              <a:rPr lang="zh-CN" altLang="en-US" sz="1600" dirty="0">
+              <a:rPr lang="zh-CN" altLang="en-US" sz="1600">
                 <a:solidFill>
                   <a:schemeClr val="tx1">
                     <a:lumMod val="65000"/>
@@ -11863,7 +11863,7 @@
               <a:t>、</a:t>
             </a:r>
             <a:r>
-              <a:rPr lang="en-US" altLang="zh-CN" sz="1600" dirty="0">
+              <a:rPr lang="en-US" altLang="zh-CN" sz="1600">
                 <a:solidFill>
                   <a:schemeClr val="tx1">
                     <a:lumMod val="65000"/>
@@ -11876,7 +11876,7 @@
               <a:t>Symbols Hidden by Default</a:t>
             </a:r>
             <a:r>
-              <a:rPr lang="zh-CN" altLang="en-US" sz="1600" dirty="0">
+              <a:rPr lang="zh-CN" altLang="en-US" sz="1600">
                 <a:solidFill>
                   <a:schemeClr val="tx1">
                     <a:lumMod val="65000"/>
@@ -11889,7 +11889,7 @@
               <a:t>设置为</a:t>
             </a:r>
             <a:r>
-              <a:rPr lang="en-US" altLang="zh-CN" sz="1600" dirty="0">
+              <a:rPr lang="en-US" altLang="zh-CN" sz="1600">
                 <a:solidFill>
                   <a:schemeClr val="tx1">
                     <a:lumMod val="65000"/>
@@ -11911,7 +11911,7 @@
               <a:buChar char="ü"/>
             </a:pPr>
             <a:r>
-              <a:rPr lang="zh-CN" altLang="en-US" sz="1600" dirty="0">
+              <a:rPr lang="zh-CN" altLang="en-US" sz="1600">
                 <a:solidFill>
                   <a:schemeClr val="tx1">
                     <a:lumMod val="65000"/>
@@ -11924,7 +11924,7 @@
               <a:t>去掉异常支持，</a:t>
             </a:r>
             <a:r>
-              <a:rPr lang="en-US" altLang="zh-CN" sz="1600" dirty="0">
+              <a:rPr lang="en-US" altLang="zh-CN" sz="1600">
                 <a:solidFill>
                   <a:schemeClr val="tx1">
                     <a:lumMod val="65000"/>
@@ -11937,7 +11937,7 @@
               <a:t>Enable C++ Exceptions</a:t>
             </a:r>
             <a:r>
-              <a:rPr lang="zh-CN" altLang="en-US" sz="1600" dirty="0">
+              <a:rPr lang="zh-CN" altLang="en-US" sz="1600">
                 <a:solidFill>
                   <a:schemeClr val="tx1">
                     <a:lumMod val="65000"/>
@@ -11950,7 +11950,7 @@
               <a:t>、</a:t>
             </a:r>
             <a:r>
-              <a:rPr lang="en-US" altLang="zh-CN" sz="1600" dirty="0">
+              <a:rPr lang="en-US" altLang="zh-CN" sz="1600">
                 <a:solidFill>
                   <a:schemeClr val="tx1">
                     <a:lumMod val="65000"/>
@@ -11963,7 +11963,7 @@
               <a:t>Enable Objective-C Exceptions</a:t>
             </a:r>
             <a:r>
-              <a:rPr lang="zh-CN" altLang="en-US" sz="1600" dirty="0">
+              <a:rPr lang="zh-CN" altLang="en-US" sz="1600">
                 <a:solidFill>
                   <a:schemeClr val="tx1">
                     <a:lumMod val="65000"/>
@@ -11976,7 +11976,7 @@
               <a:t>设置为</a:t>
             </a:r>
             <a:r>
-              <a:rPr lang="en-US" altLang="zh-CN" sz="1600" dirty="0">
+              <a:rPr lang="en-US" altLang="zh-CN" sz="1600">
                 <a:solidFill>
                   <a:schemeClr val="tx1">
                     <a:lumMod val="65000"/>
@@ -11989,7 +11989,7 @@
               <a:t>NO</a:t>
             </a:r>
             <a:r>
-              <a:rPr lang="zh-CN" altLang="en-US" sz="1600" dirty="0">
+              <a:rPr lang="zh-CN" altLang="en-US" sz="1600">
                 <a:solidFill>
                   <a:schemeClr val="tx1">
                     <a:lumMod val="65000"/>
@@ -12002,7 +12002,7 @@
               <a:t>，</a:t>
             </a:r>
             <a:r>
-              <a:rPr lang="en-US" altLang="zh-CN" sz="1600" dirty="0">
+              <a:rPr lang="en-US" altLang="zh-CN" sz="1600">
                 <a:solidFill>
                   <a:schemeClr val="tx1">
                     <a:lumMod val="65000"/>
@@ -12015,7 +12015,7 @@
               <a:t> Other C Flags</a:t>
             </a:r>
             <a:r>
-              <a:rPr lang="zh-CN" altLang="en-US" sz="1600" dirty="0">
+              <a:rPr lang="zh-CN" altLang="en-US" sz="1600">
                 <a:solidFill>
                   <a:schemeClr val="tx1">
                     <a:lumMod val="65000"/>
@@ -12028,43 +12028,17 @@
               <a:t>添加</a:t>
             </a:r>
             <a:r>
-              <a:rPr lang="en-US" altLang="zh-CN" sz="1600" dirty="0">
-                <a:solidFill>
-                  <a:schemeClr val="tx1">
-                    <a:lumMod val="65000"/>
-                    <a:lumOff val="35000"/>
-                  </a:schemeClr>
-                </a:solidFill>
-                <a:latin typeface="微软雅黑" panose="020B0503020204020204" pitchFamily="34" charset="-122"/>
-                <a:ea typeface="微软雅黑" panose="020B0503020204020204" pitchFamily="34" charset="-122"/>
-              </a:rPr>
-              <a:t>-</a:t>
-            </a:r>
-            <a:r>
-              <a:rPr lang="en-US" altLang="zh-CN" sz="1600" dirty="0" err="1">
-                <a:solidFill>
-                  <a:schemeClr val="tx1">
-                    <a:lumMod val="65000"/>
-                    <a:lumOff val="35000"/>
-                  </a:schemeClr>
-                </a:solidFill>
-                <a:latin typeface="微软雅黑" panose="020B0503020204020204" pitchFamily="34" charset="-122"/>
-                <a:ea typeface="微软雅黑" panose="020B0503020204020204" pitchFamily="34" charset="-122"/>
-              </a:rPr>
-              <a:t>fno</a:t>
-            </a:r>
-            <a:r>
-              <a:rPr lang="en-US" altLang="zh-CN" sz="1600" dirty="0">
-                <a:solidFill>
-                  <a:schemeClr val="tx1">
-                    <a:lumMod val="65000"/>
-                    <a:lumOff val="35000"/>
-                  </a:schemeClr>
-                </a:solidFill>
-                <a:latin typeface="微软雅黑" panose="020B0503020204020204" pitchFamily="34" charset="-122"/>
-                <a:ea typeface="微软雅黑" panose="020B0503020204020204" pitchFamily="34" charset="-122"/>
-              </a:rPr>
-              <a:t>-exceptions</a:t>
+              <a:rPr lang="en-US" altLang="zh-CN" sz="1600">
+                <a:solidFill>
+                  <a:schemeClr val="tx1">
+                    <a:lumMod val="65000"/>
+                    <a:lumOff val="35000"/>
+                  </a:schemeClr>
+                </a:solidFill>
+                <a:latin typeface="微软雅黑" panose="020B0503020204020204" pitchFamily="34" charset="-122"/>
+                <a:ea typeface="微软雅黑" panose="020B0503020204020204" pitchFamily="34" charset="-122"/>
+              </a:rPr>
+              <a:t>-fno-exceptions</a:t>
             </a:r>
           </a:p>
           <a:p>
@@ -12075,7 +12049,7 @@
               <a:buFont typeface="Wingdings" charset="2"/>
               <a:buChar char="ü"/>
             </a:pPr>
-            <a:endParaRPr lang="en-US" altLang="zh-CN" sz="1600" dirty="0">
+            <a:endParaRPr lang="en-US" altLang="zh-CN" sz="1600">
               <a:solidFill>
                 <a:schemeClr val="tx1">
                   <a:lumMod val="65000"/>
@@ -12095,7 +12069,7 @@
               <a:buChar char="p"/>
             </a:pPr>
             <a:r>
-              <a:rPr lang="zh-CN" altLang="en-US" sz="1600" dirty="0">
+              <a:rPr lang="zh-CN" altLang="en-US" sz="1600">
                 <a:solidFill>
                   <a:schemeClr val="tx1">
                     <a:lumMod val="65000"/>
@@ -12108,7 +12082,7 @@
               <a:t>利用</a:t>
             </a:r>
             <a:r>
-              <a:rPr lang="en-US" altLang="zh-CN" sz="1600" dirty="0" err="1">
+              <a:rPr lang="en-US" altLang="zh-CN" sz="1600">
                 <a:solidFill>
                   <a:schemeClr val="tx1">
                     <a:lumMod val="65000"/>
@@ -12121,7 +12095,7 @@
               <a:t>AppCode</a:t>
             </a:r>
             <a:r>
-              <a:rPr lang="zh-CN" altLang="en-US" sz="1600" dirty="0">
+              <a:rPr lang="zh-CN" altLang="en-US" sz="1600">
                 <a:solidFill>
                   <a:schemeClr val="tx1">
                     <a:lumMod val="65000"/>
@@ -12134,7 +12108,7 @@
               <a:t>（</a:t>
             </a:r>
             <a:r>
-              <a:rPr lang="en-US" altLang="zh-CN" sz="1600" dirty="0">
+              <a:rPr lang="en-US" altLang="zh-CN" sz="1600">
                 <a:solidFill>
                   <a:schemeClr val="tx1">
                     <a:lumMod val="65000"/>
@@ -12148,7 +12122,7 @@
               <a:t>https://www.jetbrains.com/objc/</a:t>
             </a:r>
             <a:r>
-              <a:rPr lang="zh-CN" altLang="en-US" sz="1600" dirty="0">
+              <a:rPr lang="zh-CN" altLang="en-US" sz="1600">
                 <a:solidFill>
                   <a:schemeClr val="tx1">
                     <a:lumMod val="65000"/>
@@ -12161,7 +12135,7 @@
               <a:t>）检测未使用的代码：菜单栏 </a:t>
             </a:r>
             <a:r>
-              <a:rPr lang="en-US" altLang="zh-CN" sz="1600" dirty="0">
+              <a:rPr lang="en-US" altLang="zh-CN" sz="1600">
                 <a:solidFill>
                   <a:schemeClr val="tx1">
                     <a:lumMod val="65000"/>
@@ -12174,7 +12148,7 @@
               <a:t>-&gt;</a:t>
             </a:r>
             <a:r>
-              <a:rPr lang="zh-CN" altLang="en-US" sz="1600" dirty="0">
+              <a:rPr lang="zh-CN" altLang="en-US" sz="1600">
                 <a:solidFill>
                   <a:schemeClr val="tx1">
                     <a:lumMod val="65000"/>
@@ -12187,7 +12161,7 @@
               <a:t> </a:t>
             </a:r>
             <a:r>
-              <a:rPr lang="en-US" altLang="zh-CN" sz="1600" dirty="0">
+              <a:rPr lang="en-US" altLang="zh-CN" sz="1600">
                 <a:solidFill>
                   <a:schemeClr val="tx1">
                     <a:lumMod val="65000"/>
@@ -12200,7 +12174,7 @@
               <a:t>Code</a:t>
             </a:r>
             <a:r>
-              <a:rPr lang="zh-CN" altLang="en-US" sz="1600" dirty="0">
+              <a:rPr lang="zh-CN" altLang="en-US" sz="1600">
                 <a:solidFill>
                   <a:schemeClr val="tx1">
                     <a:lumMod val="65000"/>
@@ -12213,7 +12187,7 @@
               <a:t> </a:t>
             </a:r>
             <a:r>
-              <a:rPr lang="en-US" altLang="zh-CN" sz="1600" dirty="0">
+              <a:rPr lang="en-US" altLang="zh-CN" sz="1600">
                 <a:solidFill>
                   <a:schemeClr val="tx1">
                     <a:lumMod val="65000"/>
@@ -12226,7 +12200,7 @@
               <a:t>-&gt;</a:t>
             </a:r>
             <a:r>
-              <a:rPr lang="zh-CN" altLang="en-US" sz="1600" dirty="0">
+              <a:rPr lang="zh-CN" altLang="en-US" sz="1600">
                 <a:solidFill>
                   <a:schemeClr val="tx1">
                     <a:lumMod val="65000"/>
@@ -12239,7 +12213,7 @@
               <a:t> </a:t>
             </a:r>
             <a:r>
-              <a:rPr lang="en-US" altLang="zh-CN" sz="1600" dirty="0">
+              <a:rPr lang="en-US" altLang="zh-CN" sz="1600">
                 <a:solidFill>
                   <a:schemeClr val="tx1">
                     <a:lumMod val="65000"/>
@@ -12252,7 +12226,7 @@
               <a:t>Inspect</a:t>
             </a:r>
             <a:r>
-              <a:rPr lang="zh-CN" altLang="en-US" sz="1600" dirty="0">
+              <a:rPr lang="zh-CN" altLang="en-US" sz="1600">
                 <a:solidFill>
                   <a:schemeClr val="tx1">
                     <a:lumMod val="65000"/>
@@ -12265,7 +12239,7 @@
               <a:t> </a:t>
             </a:r>
             <a:r>
-              <a:rPr lang="en-US" altLang="zh-CN" sz="1600" dirty="0">
+              <a:rPr lang="en-US" altLang="zh-CN" sz="1600">
                 <a:solidFill>
                   <a:schemeClr val="tx1">
                     <a:lumMod val="65000"/>
@@ -12286,7 +12260,7 @@
               <a:buFont typeface="Wingdings" charset="2"/>
               <a:buChar char="ü"/>
             </a:pPr>
-            <a:endParaRPr lang="en-US" altLang="zh-CN" sz="1600" dirty="0">
+            <a:endParaRPr lang="en-US" altLang="zh-CN" sz="1600">
               <a:solidFill>
                 <a:schemeClr val="tx1">
                   <a:lumMod val="65000"/>
@@ -12306,7 +12280,7 @@
               <a:buChar char="p"/>
             </a:pPr>
             <a:r>
-              <a:rPr lang="zh-CN" altLang="en-US" sz="1600" dirty="0">
+              <a:rPr lang="zh-CN" altLang="en-US" sz="1600">
                 <a:solidFill>
                   <a:schemeClr val="tx1">
                     <a:lumMod val="65000"/>
@@ -12319,7 +12293,7 @@
               <a:t>编写</a:t>
             </a:r>
             <a:r>
-              <a:rPr lang="en-US" altLang="zh-CN" sz="1600" dirty="0">
+              <a:rPr lang="en-US" altLang="zh-CN" sz="1600">
                 <a:solidFill>
                   <a:schemeClr val="tx1">
                     <a:lumMod val="65000"/>
@@ -12332,7 +12306,7 @@
               <a:t>LLVM</a:t>
             </a:r>
             <a:r>
-              <a:rPr lang="zh-CN" altLang="en-US" sz="1600" dirty="0">
+              <a:rPr lang="zh-CN" altLang="en-US" sz="1600">
                 <a:solidFill>
                   <a:schemeClr val="tx1">
                     <a:lumMod val="65000"/>
@@ -12344,7 +12318,7 @@
               </a:rPr>
               <a:t>插件检测出重复代码、未被调用的代码</a:t>
             </a:r>
-            <a:endParaRPr lang="en-US" altLang="zh-CN" sz="1600" dirty="0">
+            <a:endParaRPr lang="en-US" altLang="zh-CN" sz="1600">
               <a:solidFill>
                 <a:schemeClr val="tx1">
                   <a:lumMod val="65000"/>
@@ -12363,7 +12337,7 @@
               <a:buFont typeface="Wingdings" charset="2"/>
               <a:buChar char="p"/>
             </a:pPr>
-            <a:endParaRPr lang="en-US" altLang="zh-CN" sz="1600" dirty="0">
+            <a:endParaRPr lang="en-US" altLang="zh-CN" sz="1600">
               <a:solidFill>
                 <a:schemeClr val="tx1">
                   <a:lumMod val="65000"/>
@@ -13609,7 +13583,7 @@
         </p:nvSpPr>
         <p:spPr>
           <a:xfrm>
-            <a:off x="376692" y="1220991"/>
+            <a:off x="376692" y="1865347"/>
             <a:ext cx="11501313" cy="465306"/>
           </a:xfrm>
           <a:prstGeom prst="rect">
@@ -13631,7 +13605,7 @@
               <a:buChar char="n"/>
             </a:pPr>
             <a:r>
-              <a:rPr lang="zh-CN" altLang="en-US" sz="1600">
+              <a:rPr lang="zh-CN" altLang="en-US" sz="1600" dirty="0">
                 <a:solidFill>
                   <a:schemeClr val="tx1">
                     <a:lumMod val="65000"/>
@@ -13644,7 +13618,7 @@
               <a:t>生成</a:t>
             </a:r>
             <a:r>
-              <a:rPr lang="en-US" altLang="zh-CN" sz="1600">
+              <a:rPr lang="en-US" altLang="zh-CN" sz="1600" dirty="0" err="1">
                 <a:solidFill>
                   <a:schemeClr val="tx1">
                     <a:lumMod val="65000"/>
@@ -13657,7 +13631,7 @@
               <a:t>LinkMap</a:t>
             </a:r>
             <a:r>
-              <a:rPr lang="zh-CN" altLang="en-US" sz="1600">
+              <a:rPr lang="zh-CN" altLang="en-US" sz="1600" dirty="0">
                 <a:solidFill>
                   <a:schemeClr val="tx1">
                     <a:lumMod val="65000"/>
@@ -13669,7 +13643,7 @@
               </a:rPr>
               <a:t>文件，可以查看可执行文件的具体组成</a:t>
             </a:r>
-            <a:endParaRPr lang="en-US" altLang="zh-CN" sz="1600">
+            <a:endParaRPr lang="en-US" altLang="zh-CN" sz="1600" dirty="0">
               <a:solidFill>
                 <a:schemeClr val="tx1">
                   <a:lumMod val="65000"/>
@@ -13698,7 +13672,7 @@
         </p:blipFill>
         <p:spPr>
           <a:xfrm>
-            <a:off x="496536" y="1733797"/>
+            <a:off x="506474" y="2543240"/>
             <a:ext cx="8420100" cy="2159000"/>
           </a:xfrm>
           <a:prstGeom prst="rect">
@@ -13719,7 +13693,7 @@
         </p:nvSpPr>
         <p:spPr>
           <a:xfrm>
-            <a:off x="244611" y="4247219"/>
+            <a:off x="376692" y="4992653"/>
             <a:ext cx="11501313" cy="465306"/>
           </a:xfrm>
           <a:prstGeom prst="rect">
@@ -13816,6 +13790,101 @@
               <a:latin typeface="微软雅黑" panose="020B0503020204020204" pitchFamily="34" charset="-122"/>
               <a:ea typeface="微软雅黑" panose="020B0503020204020204" pitchFamily="34" charset="-122"/>
             </a:endParaRPr>
+          </a:p>
+        </p:txBody>
+      </p:sp>
+      <p:sp>
+        <p:nvSpPr>
+          <p:cNvPr id="7" name="文本框 6">
+            <a:extLst>
+              <a:ext uri="{FF2B5EF4-FFF2-40B4-BE49-F238E27FC236}">
+                <a16:creationId xmlns:a16="http://schemas.microsoft.com/office/drawing/2014/main" id="{A0120FBD-F070-EB40-8A1A-DA2EF4654163}"/>
+              </a:ext>
+            </a:extLst>
+          </p:cNvPr>
+          <p:cNvSpPr txBox="1"/>
+          <p:nvPr/>
+        </p:nvSpPr>
+        <p:spPr>
+          <a:xfrm>
+            <a:off x="376692" y="1389722"/>
+            <a:ext cx="10576230" cy="369332"/>
+          </a:xfrm>
+          <a:prstGeom prst="rect">
+            <a:avLst/>
+          </a:prstGeom>
+          <a:noFill/>
+        </p:spPr>
+        <p:txBody>
+          <a:bodyPr wrap="square">
+            <a:spAutoFit/>
+          </a:bodyPr>
+          <a:lstStyle/>
+          <a:p>
+            <a:r>
+              <a:rPr lang="en-US" altLang="zh-CN" sz="1800" kern="1200" dirty="0" err="1">
+                <a:solidFill>
+                  <a:srgbClr val="595959"/>
+                </a:solidFill>
+                <a:effectLst/>
+                <a:latin typeface="微软雅黑" panose="020B0503020204020204" pitchFamily="34" charset="-122"/>
+                <a:ea typeface="微软雅黑" panose="020B0503020204020204" pitchFamily="34" charset="-122"/>
+                <a:cs typeface="+mn-cs"/>
+              </a:rPr>
+              <a:t>LinkMap</a:t>
+            </a:r>
+            <a:r>
+              <a:rPr lang="zh-CN" altLang="en-US" sz="1600" dirty="0">
+                <a:solidFill>
+                  <a:schemeClr val="tx1">
+                    <a:lumMod val="65000"/>
+                    <a:lumOff val="35000"/>
+                  </a:schemeClr>
+                </a:solidFill>
+                <a:latin typeface="微软雅黑" panose="020B0503020204020204" pitchFamily="34" charset="-122"/>
+                <a:ea typeface="微软雅黑" panose="020B0503020204020204" pitchFamily="34" charset="-122"/>
+              </a:rPr>
+              <a:t>是</a:t>
+            </a:r>
+            <a:r>
+              <a:rPr lang="en" altLang="zh-CN" sz="1600" dirty="0" err="1">
+                <a:solidFill>
+                  <a:schemeClr val="tx1">
+                    <a:lumMod val="65000"/>
+                    <a:lumOff val="35000"/>
+                  </a:schemeClr>
+                </a:solidFill>
+                <a:latin typeface="微软雅黑" panose="020B0503020204020204" pitchFamily="34" charset="-122"/>
+                <a:ea typeface="微软雅黑" panose="020B0503020204020204" pitchFamily="34" charset="-122"/>
+              </a:rPr>
+              <a:t>Xcode</a:t>
+            </a:r>
+            <a:r>
+              <a:rPr lang="en" altLang="zh-CN" sz="1600" dirty="0">
+                <a:solidFill>
+                  <a:schemeClr val="tx1">
+                    <a:lumMod val="65000"/>
+                    <a:lumOff val="35000"/>
+                  </a:schemeClr>
+                </a:solidFill>
+                <a:latin typeface="微软雅黑" panose="020B0503020204020204" pitchFamily="34" charset="-122"/>
+                <a:ea typeface="微软雅黑" panose="020B0503020204020204" pitchFamily="34" charset="-122"/>
+              </a:rPr>
+              <a:t> </a:t>
+            </a:r>
+            <a:r>
+              <a:rPr lang="zh-CN" altLang="en-US" sz="1600" dirty="0">
+                <a:solidFill>
+                  <a:schemeClr val="tx1">
+                    <a:lumMod val="65000"/>
+                    <a:lumOff val="35000"/>
+                  </a:schemeClr>
+                </a:solidFill>
+                <a:latin typeface="微软雅黑" panose="020B0503020204020204" pitchFamily="34" charset="-122"/>
+                <a:ea typeface="微软雅黑" panose="020B0503020204020204" pitchFamily="34" charset="-122"/>
+              </a:rPr>
+              <a:t>生成可执行文件时一起生成的文本，用于记录链接相关信息。</a:t>
+            </a:r>
           </a:p>
         </p:txBody>
       </p:sp>
@@ -19115,7 +19184,7 @@
               <a:buChar char="n"/>
             </a:pPr>
             <a:r>
-              <a:rPr lang="zh-CN" altLang="en-US" sz="1600">
+              <a:rPr lang="zh-CN" altLang="en-US" sz="1600" dirty="0">
                 <a:solidFill>
                   <a:schemeClr val="tx1">
                     <a:lumMod val="65000"/>
@@ -19128,7 +19197,7 @@
               <a:t>尽量用轻量级的对象，比如用不到事件处理的地方，可以考虑使用</a:t>
             </a:r>
             <a:r>
-              <a:rPr lang="en-US" altLang="zh-CN" sz="1600">
+              <a:rPr lang="en-US" altLang="zh-CN" sz="1600" dirty="0" err="1">
                 <a:solidFill>
                   <a:schemeClr val="tx1">
                     <a:lumMod val="65000"/>
@@ -19141,7 +19210,7 @@
               <a:t>CALayer</a:t>
             </a:r>
             <a:r>
-              <a:rPr lang="zh-CN" altLang="en-US" sz="1600">
+              <a:rPr lang="zh-CN" altLang="en-US" sz="1600" dirty="0">
                 <a:solidFill>
                   <a:schemeClr val="tx1">
                     <a:lumMod val="65000"/>
@@ -19154,7 +19223,7 @@
               <a:t>取代</a:t>
             </a:r>
             <a:r>
-              <a:rPr lang="en-US" altLang="zh-CN" sz="1600">
+              <a:rPr lang="en-US" altLang="zh-CN" sz="1600" dirty="0" err="1">
                 <a:solidFill>
                   <a:schemeClr val="tx1">
                     <a:lumMod val="65000"/>
@@ -19166,16 +19235,7 @@
               </a:rPr>
               <a:t>UIView</a:t>
             </a:r>
-          </a:p>
-          <a:p>
-            <a:pPr marL="342900" indent="-342900">
-              <a:lnSpc>
-                <a:spcPts val="2200"/>
-              </a:lnSpc>
-              <a:buFont typeface="Wingdings" charset="2"/>
-              <a:buChar char="n"/>
-            </a:pPr>
-            <a:endParaRPr lang="en-US" altLang="zh-CN" sz="1600">
+            <a:endParaRPr lang="en-US" altLang="zh-CN" sz="1600" dirty="0">
               <a:solidFill>
                 <a:schemeClr val="tx1">
                   <a:lumMod val="65000"/>
@@ -19194,124 +19254,7 @@
               <a:buFont typeface="Wingdings" charset="2"/>
               <a:buChar char="n"/>
             </a:pPr>
-            <a:r>
-              <a:rPr lang="zh-CN" altLang="en-US" sz="1600">
-                <a:solidFill>
-                  <a:schemeClr val="tx1">
-                    <a:lumMod val="65000"/>
-                    <a:lumOff val="35000"/>
-                  </a:schemeClr>
-                </a:solidFill>
-                <a:latin typeface="微软雅黑" panose="020B0503020204020204" pitchFamily="34" charset="-122"/>
-                <a:ea typeface="微软雅黑" panose="020B0503020204020204" pitchFamily="34" charset="-122"/>
-              </a:rPr>
-              <a:t>不要频繁地调用</a:t>
-            </a:r>
-            <a:r>
-              <a:rPr lang="en-US" altLang="zh-CN" sz="1600">
-                <a:solidFill>
-                  <a:schemeClr val="tx1">
-                    <a:lumMod val="65000"/>
-                    <a:lumOff val="35000"/>
-                  </a:schemeClr>
-                </a:solidFill>
-                <a:latin typeface="微软雅黑" panose="020B0503020204020204" pitchFamily="34" charset="-122"/>
-                <a:ea typeface="微软雅黑" panose="020B0503020204020204" pitchFamily="34" charset="-122"/>
-              </a:rPr>
-              <a:t>UIView</a:t>
-            </a:r>
-            <a:r>
-              <a:rPr lang="zh-CN" altLang="en-US" sz="1600">
-                <a:solidFill>
-                  <a:schemeClr val="tx1">
-                    <a:lumMod val="65000"/>
-                    <a:lumOff val="35000"/>
-                  </a:schemeClr>
-                </a:solidFill>
-                <a:latin typeface="微软雅黑" panose="020B0503020204020204" pitchFamily="34" charset="-122"/>
-                <a:ea typeface="微软雅黑" panose="020B0503020204020204" pitchFamily="34" charset="-122"/>
-              </a:rPr>
-              <a:t>的相关属性，比如</a:t>
-            </a:r>
-            <a:r>
-              <a:rPr lang="en-US" altLang="zh-CN" sz="1600">
-                <a:solidFill>
-                  <a:schemeClr val="tx1">
-                    <a:lumMod val="65000"/>
-                    <a:lumOff val="35000"/>
-                  </a:schemeClr>
-                </a:solidFill>
-                <a:latin typeface="微软雅黑" panose="020B0503020204020204" pitchFamily="34" charset="-122"/>
-                <a:ea typeface="微软雅黑" panose="020B0503020204020204" pitchFamily="34" charset="-122"/>
-              </a:rPr>
-              <a:t>frame</a:t>
-            </a:r>
-            <a:r>
-              <a:rPr lang="zh-CN" altLang="en-US" sz="1600">
-                <a:solidFill>
-                  <a:schemeClr val="tx1">
-                    <a:lumMod val="65000"/>
-                    <a:lumOff val="35000"/>
-                  </a:schemeClr>
-                </a:solidFill>
-                <a:latin typeface="微软雅黑" panose="020B0503020204020204" pitchFamily="34" charset="-122"/>
-                <a:ea typeface="微软雅黑" panose="020B0503020204020204" pitchFamily="34" charset="-122"/>
-              </a:rPr>
-              <a:t>、</a:t>
-            </a:r>
-            <a:r>
-              <a:rPr lang="en-US" altLang="zh-CN" sz="1600">
-                <a:solidFill>
-                  <a:schemeClr val="tx1">
-                    <a:lumMod val="65000"/>
-                    <a:lumOff val="35000"/>
-                  </a:schemeClr>
-                </a:solidFill>
-                <a:latin typeface="微软雅黑" panose="020B0503020204020204" pitchFamily="34" charset="-122"/>
-                <a:ea typeface="微软雅黑" panose="020B0503020204020204" pitchFamily="34" charset="-122"/>
-              </a:rPr>
-              <a:t>bounds</a:t>
-            </a:r>
-            <a:r>
-              <a:rPr lang="zh-CN" altLang="en-US" sz="1600">
-                <a:solidFill>
-                  <a:schemeClr val="tx1">
-                    <a:lumMod val="65000"/>
-                    <a:lumOff val="35000"/>
-                  </a:schemeClr>
-                </a:solidFill>
-                <a:latin typeface="微软雅黑" panose="020B0503020204020204" pitchFamily="34" charset="-122"/>
-                <a:ea typeface="微软雅黑" panose="020B0503020204020204" pitchFamily="34" charset="-122"/>
-              </a:rPr>
-              <a:t>、</a:t>
-            </a:r>
-            <a:r>
-              <a:rPr lang="en-US" altLang="zh-CN" sz="1600">
-                <a:solidFill>
-                  <a:schemeClr val="tx1">
-                    <a:lumMod val="65000"/>
-                    <a:lumOff val="35000"/>
-                  </a:schemeClr>
-                </a:solidFill>
-                <a:latin typeface="微软雅黑" panose="020B0503020204020204" pitchFamily="34" charset="-122"/>
-                <a:ea typeface="微软雅黑" panose="020B0503020204020204" pitchFamily="34" charset="-122"/>
-              </a:rPr>
-              <a:t>transform</a:t>
-            </a:r>
-            <a:r>
-              <a:rPr lang="zh-CN" altLang="en-US" sz="1600">
-                <a:solidFill>
-                  <a:schemeClr val="tx1">
-                    <a:lumMod val="65000"/>
-                    <a:lumOff val="35000"/>
-                  </a:schemeClr>
-                </a:solidFill>
-                <a:latin typeface="微软雅黑" panose="020B0503020204020204" pitchFamily="34" charset="-122"/>
-                <a:ea typeface="微软雅黑" panose="020B0503020204020204" pitchFamily="34" charset="-122"/>
-              </a:rPr>
-              <a:t>等属性，尽量减少不必要的修改</a:t>
-            </a:r>
-            <a:endParaRPr lang="en-US" altLang="zh-CN" sz="1600">
+            <a:endParaRPr lang="en-US" altLang="zh-CN" sz="1600" dirty="0">
               <a:solidFill>
                 <a:schemeClr val="tx1">
                   <a:lumMod val="65000"/>
@@ -19330,7 +19273,124 @@
               <a:buFont typeface="Wingdings" charset="2"/>
               <a:buChar char="n"/>
             </a:pPr>
-            <a:endParaRPr lang="en-US" altLang="zh-CN" sz="1600">
+            <a:r>
+              <a:rPr lang="zh-CN" altLang="en-US" sz="1600" dirty="0">
+                <a:solidFill>
+                  <a:schemeClr val="tx1">
+                    <a:lumMod val="65000"/>
+                    <a:lumOff val="35000"/>
+                  </a:schemeClr>
+                </a:solidFill>
+                <a:latin typeface="微软雅黑" panose="020B0503020204020204" pitchFamily="34" charset="-122"/>
+                <a:ea typeface="微软雅黑" panose="020B0503020204020204" pitchFamily="34" charset="-122"/>
+              </a:rPr>
+              <a:t>不要频繁地调用</a:t>
+            </a:r>
+            <a:r>
+              <a:rPr lang="en-US" altLang="zh-CN" sz="1600" dirty="0" err="1">
+                <a:solidFill>
+                  <a:schemeClr val="tx1">
+                    <a:lumMod val="65000"/>
+                    <a:lumOff val="35000"/>
+                  </a:schemeClr>
+                </a:solidFill>
+                <a:latin typeface="微软雅黑" panose="020B0503020204020204" pitchFamily="34" charset="-122"/>
+                <a:ea typeface="微软雅黑" panose="020B0503020204020204" pitchFamily="34" charset="-122"/>
+              </a:rPr>
+              <a:t>UIView</a:t>
+            </a:r>
+            <a:r>
+              <a:rPr lang="zh-CN" altLang="en-US" sz="1600" dirty="0">
+                <a:solidFill>
+                  <a:schemeClr val="tx1">
+                    <a:lumMod val="65000"/>
+                    <a:lumOff val="35000"/>
+                  </a:schemeClr>
+                </a:solidFill>
+                <a:latin typeface="微软雅黑" panose="020B0503020204020204" pitchFamily="34" charset="-122"/>
+                <a:ea typeface="微软雅黑" panose="020B0503020204020204" pitchFamily="34" charset="-122"/>
+              </a:rPr>
+              <a:t>的相关属性，比如</a:t>
+            </a:r>
+            <a:r>
+              <a:rPr lang="en-US" altLang="zh-CN" sz="1600" dirty="0">
+                <a:solidFill>
+                  <a:schemeClr val="tx1">
+                    <a:lumMod val="65000"/>
+                    <a:lumOff val="35000"/>
+                  </a:schemeClr>
+                </a:solidFill>
+                <a:latin typeface="微软雅黑" panose="020B0503020204020204" pitchFamily="34" charset="-122"/>
+                <a:ea typeface="微软雅黑" panose="020B0503020204020204" pitchFamily="34" charset="-122"/>
+              </a:rPr>
+              <a:t>frame</a:t>
+            </a:r>
+            <a:r>
+              <a:rPr lang="zh-CN" altLang="en-US" sz="1600" dirty="0">
+                <a:solidFill>
+                  <a:schemeClr val="tx1">
+                    <a:lumMod val="65000"/>
+                    <a:lumOff val="35000"/>
+                  </a:schemeClr>
+                </a:solidFill>
+                <a:latin typeface="微软雅黑" panose="020B0503020204020204" pitchFamily="34" charset="-122"/>
+                <a:ea typeface="微软雅黑" panose="020B0503020204020204" pitchFamily="34" charset="-122"/>
+              </a:rPr>
+              <a:t>、</a:t>
+            </a:r>
+            <a:r>
+              <a:rPr lang="en-US" altLang="zh-CN" sz="1600" dirty="0">
+                <a:solidFill>
+                  <a:schemeClr val="tx1">
+                    <a:lumMod val="65000"/>
+                    <a:lumOff val="35000"/>
+                  </a:schemeClr>
+                </a:solidFill>
+                <a:latin typeface="微软雅黑" panose="020B0503020204020204" pitchFamily="34" charset="-122"/>
+                <a:ea typeface="微软雅黑" panose="020B0503020204020204" pitchFamily="34" charset="-122"/>
+              </a:rPr>
+              <a:t>bounds</a:t>
+            </a:r>
+            <a:r>
+              <a:rPr lang="zh-CN" altLang="en-US" sz="1600" dirty="0">
+                <a:solidFill>
+                  <a:schemeClr val="tx1">
+                    <a:lumMod val="65000"/>
+                    <a:lumOff val="35000"/>
+                  </a:schemeClr>
+                </a:solidFill>
+                <a:latin typeface="微软雅黑" panose="020B0503020204020204" pitchFamily="34" charset="-122"/>
+                <a:ea typeface="微软雅黑" panose="020B0503020204020204" pitchFamily="34" charset="-122"/>
+              </a:rPr>
+              <a:t>、</a:t>
+            </a:r>
+            <a:r>
+              <a:rPr lang="en-US" altLang="zh-CN" sz="1600" dirty="0">
+                <a:solidFill>
+                  <a:schemeClr val="tx1">
+                    <a:lumMod val="65000"/>
+                    <a:lumOff val="35000"/>
+                  </a:schemeClr>
+                </a:solidFill>
+                <a:latin typeface="微软雅黑" panose="020B0503020204020204" pitchFamily="34" charset="-122"/>
+                <a:ea typeface="微软雅黑" panose="020B0503020204020204" pitchFamily="34" charset="-122"/>
+              </a:rPr>
+              <a:t>transform</a:t>
+            </a:r>
+            <a:r>
+              <a:rPr lang="zh-CN" altLang="en-US" sz="1600" dirty="0">
+                <a:solidFill>
+                  <a:schemeClr val="tx1">
+                    <a:lumMod val="65000"/>
+                    <a:lumOff val="35000"/>
+                  </a:schemeClr>
+                </a:solidFill>
+                <a:latin typeface="微软雅黑" panose="020B0503020204020204" pitchFamily="34" charset="-122"/>
+                <a:ea typeface="微软雅黑" panose="020B0503020204020204" pitchFamily="34" charset="-122"/>
+              </a:rPr>
+              <a:t>等属性，尽量减少不必要的修改</a:t>
+            </a:r>
+            <a:endParaRPr lang="en-US" altLang="zh-CN" sz="1600" dirty="0">
               <a:solidFill>
                 <a:schemeClr val="tx1">
                   <a:lumMod val="65000"/>
@@ -19349,20 +19409,7 @@
               <a:buFont typeface="Wingdings" charset="2"/>
               <a:buChar char="n"/>
             </a:pPr>
-            <a:r>
-              <a:rPr lang="zh-CN" altLang="en-US" sz="1600">
-                <a:solidFill>
-                  <a:schemeClr val="tx1">
-                    <a:lumMod val="65000"/>
-                    <a:lumOff val="35000"/>
-                  </a:schemeClr>
-                </a:solidFill>
-                <a:latin typeface="微软雅黑" panose="020B0503020204020204" pitchFamily="34" charset="-122"/>
-                <a:ea typeface="微软雅黑" panose="020B0503020204020204" pitchFamily="34" charset="-122"/>
-              </a:rPr>
-              <a:t>尽量提前计算好布局，在有需要时一次性调整对应的属性，不要多次修改属性</a:t>
-            </a:r>
-            <a:endParaRPr lang="en-US" altLang="zh-CN" sz="1600">
+            <a:endParaRPr lang="en-US" altLang="zh-CN" sz="1600" dirty="0">
               <a:solidFill>
                 <a:schemeClr val="tx1">
                   <a:lumMod val="65000"/>
@@ -19381,7 +19428,20 @@
               <a:buFont typeface="Wingdings" charset="2"/>
               <a:buChar char="n"/>
             </a:pPr>
-            <a:endParaRPr lang="en-US" altLang="zh-CN" sz="1600">
+            <a:r>
+              <a:rPr lang="zh-CN" altLang="en-US" sz="1600" dirty="0">
+                <a:solidFill>
+                  <a:schemeClr val="tx1">
+                    <a:lumMod val="65000"/>
+                    <a:lumOff val="35000"/>
+                  </a:schemeClr>
+                </a:solidFill>
+                <a:latin typeface="微软雅黑" panose="020B0503020204020204" pitchFamily="34" charset="-122"/>
+                <a:ea typeface="微软雅黑" panose="020B0503020204020204" pitchFamily="34" charset="-122"/>
+              </a:rPr>
+              <a:t>尽量提前计算好布局，在有需要时一次性调整对应的属性，不要多次修改属性</a:t>
+            </a:r>
+            <a:endParaRPr lang="en-US" altLang="zh-CN" sz="1600" dirty="0">
               <a:solidFill>
                 <a:schemeClr val="tx1">
                   <a:lumMod val="65000"/>
@@ -19400,85 +19460,7 @@
               <a:buFont typeface="Wingdings" charset="2"/>
               <a:buChar char="n"/>
             </a:pPr>
-            <a:r>
-              <a:rPr lang="en-US" altLang="zh-CN" sz="1600">
-                <a:solidFill>
-                  <a:schemeClr val="tx1">
-                    <a:lumMod val="65000"/>
-                    <a:lumOff val="35000"/>
-                  </a:schemeClr>
-                </a:solidFill>
-                <a:latin typeface="微软雅黑" panose="020B0503020204020204" pitchFamily="34" charset="-122"/>
-                <a:ea typeface="微软雅黑" panose="020B0503020204020204" pitchFamily="34" charset="-122"/>
-              </a:rPr>
-              <a:t>Autolayout</a:t>
-            </a:r>
-            <a:r>
-              <a:rPr lang="zh-CN" altLang="en-US" sz="1600">
-                <a:solidFill>
-                  <a:schemeClr val="tx1">
-                    <a:lumMod val="65000"/>
-                    <a:lumOff val="35000"/>
-                  </a:schemeClr>
-                </a:solidFill>
-                <a:latin typeface="微软雅黑" panose="020B0503020204020204" pitchFamily="34" charset="-122"/>
-                <a:ea typeface="微软雅黑" panose="020B0503020204020204" pitchFamily="34" charset="-122"/>
-              </a:rPr>
-              <a:t>会比直接设置</a:t>
-            </a:r>
-            <a:r>
-              <a:rPr lang="en-US" altLang="zh-CN" sz="1600">
-                <a:solidFill>
-                  <a:schemeClr val="tx1">
-                    <a:lumMod val="65000"/>
-                    <a:lumOff val="35000"/>
-                  </a:schemeClr>
-                </a:solidFill>
-                <a:latin typeface="微软雅黑" panose="020B0503020204020204" pitchFamily="34" charset="-122"/>
-                <a:ea typeface="微软雅黑" panose="020B0503020204020204" pitchFamily="34" charset="-122"/>
-              </a:rPr>
-              <a:t>frame</a:t>
-            </a:r>
-            <a:r>
-              <a:rPr lang="zh-CN" altLang="en-US" sz="1600">
-                <a:solidFill>
-                  <a:schemeClr val="tx1">
-                    <a:lumMod val="65000"/>
-                    <a:lumOff val="35000"/>
-                  </a:schemeClr>
-                </a:solidFill>
-                <a:latin typeface="微软雅黑" panose="020B0503020204020204" pitchFamily="34" charset="-122"/>
-                <a:ea typeface="微软雅黑" panose="020B0503020204020204" pitchFamily="34" charset="-122"/>
-              </a:rPr>
-              <a:t>消耗更多的</a:t>
-            </a:r>
-            <a:r>
-              <a:rPr lang="en-US" altLang="zh-CN" sz="1600">
-                <a:solidFill>
-                  <a:schemeClr val="tx1">
-                    <a:lumMod val="65000"/>
-                    <a:lumOff val="35000"/>
-                  </a:schemeClr>
-                </a:solidFill>
-                <a:latin typeface="微软雅黑" panose="020B0503020204020204" pitchFamily="34" charset="-122"/>
-                <a:ea typeface="微软雅黑" panose="020B0503020204020204" pitchFamily="34" charset="-122"/>
-              </a:rPr>
-              <a:t>CPU</a:t>
-            </a:r>
-            <a:r>
-              <a:rPr lang="zh-CN" altLang="en-US" sz="1600">
-                <a:solidFill>
-                  <a:schemeClr val="tx1">
-                    <a:lumMod val="65000"/>
-                    <a:lumOff val="35000"/>
-                  </a:schemeClr>
-                </a:solidFill>
-                <a:latin typeface="微软雅黑" panose="020B0503020204020204" pitchFamily="34" charset="-122"/>
-                <a:ea typeface="微软雅黑" panose="020B0503020204020204" pitchFamily="34" charset="-122"/>
-              </a:rPr>
-              <a:t>资源</a:t>
-            </a:r>
-            <a:endParaRPr lang="en-US" altLang="zh-CN" sz="1600">
+            <a:endParaRPr lang="en-US" altLang="zh-CN" sz="1600" dirty="0">
               <a:solidFill>
                 <a:schemeClr val="tx1">
                   <a:lumMod val="65000"/>
@@ -19497,7 +19479,27 @@
               <a:buFont typeface="Wingdings" charset="2"/>
               <a:buChar char="n"/>
             </a:pPr>
-            <a:endParaRPr lang="en-US" altLang="zh-CN" sz="1600">
+            <a:r>
+              <a:rPr lang="zh-CN" altLang="en-US" sz="1600" dirty="0">
+                <a:solidFill>
+                  <a:schemeClr val="tx1">
+                    <a:lumMod val="65000"/>
+                    <a:lumOff val="35000"/>
+                  </a:schemeClr>
+                </a:solidFill>
+                <a:latin typeface="微软雅黑" panose="020B0503020204020204" pitchFamily="34" charset="-122"/>
+                <a:ea typeface="微软雅黑" panose="020B0503020204020204" pitchFamily="34" charset="-122"/>
+              </a:rPr>
+              <a:t>对象销毁，通常当容器类持有大量对象时，其销毁时的资源消耗就非常明显。同样的，如果对象可以放到后台线程去释放，那就挪到后台线程去。</a:t>
+            </a:r>
+          </a:p>
+          <a:p>
+            <a:pPr>
+              <a:lnSpc>
+                <a:spcPts val="2200"/>
+              </a:lnSpc>
+            </a:pPr>
+            <a:endParaRPr lang="en-US" altLang="zh-CN" sz="1600" dirty="0">
               <a:solidFill>
                 <a:schemeClr val="tx1">
                   <a:lumMod val="65000"/>
@@ -19517,97 +19519,84 @@
               <a:buChar char="n"/>
             </a:pPr>
             <a:r>
-              <a:rPr lang="zh-CN" altLang="en-US" sz="1600">
-                <a:solidFill>
-                  <a:schemeClr val="tx1">
-                    <a:lumMod val="65000"/>
-                    <a:lumOff val="35000"/>
-                  </a:schemeClr>
-                </a:solidFill>
-                <a:latin typeface="微软雅黑" panose="020B0503020204020204" pitchFamily="34" charset="-122"/>
-                <a:ea typeface="微软雅黑" panose="020B0503020204020204" pitchFamily="34" charset="-122"/>
-              </a:rPr>
-              <a:t>图片的</a:t>
-            </a:r>
-            <a:r>
-              <a:rPr lang="en-US" altLang="zh-CN" sz="1600">
-                <a:solidFill>
-                  <a:schemeClr val="tx1">
-                    <a:lumMod val="65000"/>
-                    <a:lumOff val="35000"/>
-                  </a:schemeClr>
-                </a:solidFill>
-                <a:latin typeface="微软雅黑" panose="020B0503020204020204" pitchFamily="34" charset="-122"/>
-                <a:ea typeface="微软雅黑" panose="020B0503020204020204" pitchFamily="34" charset="-122"/>
-              </a:rPr>
-              <a:t>size</a:t>
-            </a:r>
-            <a:r>
-              <a:rPr lang="zh-CN" altLang="en-US" sz="1600">
-                <a:solidFill>
-                  <a:schemeClr val="tx1">
-                    <a:lumMod val="65000"/>
-                    <a:lumOff val="35000"/>
-                  </a:schemeClr>
-                </a:solidFill>
-                <a:latin typeface="微软雅黑" panose="020B0503020204020204" pitchFamily="34" charset="-122"/>
-                <a:ea typeface="微软雅黑" panose="020B0503020204020204" pitchFamily="34" charset="-122"/>
-              </a:rPr>
-              <a:t>最好刚好跟</a:t>
-            </a:r>
-            <a:r>
-              <a:rPr lang="en-US" altLang="zh-CN" sz="1600">
-                <a:solidFill>
-                  <a:schemeClr val="tx1">
-                    <a:lumMod val="65000"/>
-                    <a:lumOff val="35000"/>
-                  </a:schemeClr>
-                </a:solidFill>
-                <a:latin typeface="微软雅黑" panose="020B0503020204020204" pitchFamily="34" charset="-122"/>
-                <a:ea typeface="微软雅黑" panose="020B0503020204020204" pitchFamily="34" charset="-122"/>
-              </a:rPr>
-              <a:t>UIImageView</a:t>
-            </a:r>
-            <a:r>
-              <a:rPr lang="zh-CN" altLang="en-US" sz="1600">
-                <a:solidFill>
-                  <a:schemeClr val="tx1">
-                    <a:lumMod val="65000"/>
-                    <a:lumOff val="35000"/>
-                  </a:schemeClr>
-                </a:solidFill>
-                <a:latin typeface="微软雅黑" panose="020B0503020204020204" pitchFamily="34" charset="-122"/>
-                <a:ea typeface="微软雅黑" panose="020B0503020204020204" pitchFamily="34" charset="-122"/>
-              </a:rPr>
-              <a:t>的</a:t>
-            </a:r>
-            <a:r>
-              <a:rPr lang="en-US" altLang="zh-CN" sz="1600">
-                <a:solidFill>
-                  <a:schemeClr val="tx1">
-                    <a:lumMod val="65000"/>
-                    <a:lumOff val="35000"/>
-                  </a:schemeClr>
-                </a:solidFill>
-                <a:latin typeface="微软雅黑" panose="020B0503020204020204" pitchFamily="34" charset="-122"/>
-                <a:ea typeface="微软雅黑" panose="020B0503020204020204" pitchFamily="34" charset="-122"/>
-              </a:rPr>
-              <a:t>size</a:t>
-            </a:r>
-            <a:r>
-              <a:rPr lang="zh-CN" altLang="en-US" sz="1600">
-                <a:solidFill>
-                  <a:schemeClr val="tx1">
-                    <a:lumMod val="65000"/>
-                    <a:lumOff val="35000"/>
-                  </a:schemeClr>
-                </a:solidFill>
-                <a:latin typeface="微软雅黑" panose="020B0503020204020204" pitchFamily="34" charset="-122"/>
-                <a:ea typeface="微软雅黑" panose="020B0503020204020204" pitchFamily="34" charset="-122"/>
-              </a:rPr>
-              <a:t>保持一致</a:t>
-            </a:r>
-            <a:endParaRPr lang="en-US" altLang="zh-CN" sz="1600">
+              <a:rPr lang="en-US" altLang="zh-CN" sz="1600" dirty="0" err="1">
+                <a:solidFill>
+                  <a:schemeClr val="tx1">
+                    <a:lumMod val="65000"/>
+                    <a:lumOff val="35000"/>
+                  </a:schemeClr>
+                </a:solidFill>
+                <a:latin typeface="微软雅黑" panose="020B0503020204020204" pitchFamily="34" charset="-122"/>
+                <a:ea typeface="微软雅黑" panose="020B0503020204020204" pitchFamily="34" charset="-122"/>
+              </a:rPr>
+              <a:t>Autolayout</a:t>
+            </a:r>
+            <a:r>
+              <a:rPr lang="zh-CN" altLang="en-US" sz="1600" dirty="0">
+                <a:solidFill>
+                  <a:schemeClr val="tx1">
+                    <a:lumMod val="65000"/>
+                    <a:lumOff val="35000"/>
+                  </a:schemeClr>
+                </a:solidFill>
+                <a:latin typeface="微软雅黑" panose="020B0503020204020204" pitchFamily="34" charset="-122"/>
+                <a:ea typeface="微软雅黑" panose="020B0503020204020204" pitchFamily="34" charset="-122"/>
+              </a:rPr>
+              <a:t>会比直接设置</a:t>
+            </a:r>
+            <a:r>
+              <a:rPr lang="en-US" altLang="zh-CN" sz="1600" dirty="0">
+                <a:solidFill>
+                  <a:schemeClr val="tx1">
+                    <a:lumMod val="65000"/>
+                    <a:lumOff val="35000"/>
+                  </a:schemeClr>
+                </a:solidFill>
+                <a:latin typeface="微软雅黑" panose="020B0503020204020204" pitchFamily="34" charset="-122"/>
+                <a:ea typeface="微软雅黑" panose="020B0503020204020204" pitchFamily="34" charset="-122"/>
+              </a:rPr>
+              <a:t>frame</a:t>
+            </a:r>
+            <a:r>
+              <a:rPr lang="zh-CN" altLang="en-US" sz="1600" dirty="0">
+                <a:solidFill>
+                  <a:schemeClr val="tx1">
+                    <a:lumMod val="65000"/>
+                    <a:lumOff val="35000"/>
+                  </a:schemeClr>
+                </a:solidFill>
+                <a:latin typeface="微软雅黑" panose="020B0503020204020204" pitchFamily="34" charset="-122"/>
+                <a:ea typeface="微软雅黑" panose="020B0503020204020204" pitchFamily="34" charset="-122"/>
+              </a:rPr>
+              <a:t>消耗更多的</a:t>
+            </a:r>
+            <a:r>
+              <a:rPr lang="en-US" altLang="zh-CN" sz="1600" dirty="0">
+                <a:solidFill>
+                  <a:schemeClr val="tx1">
+                    <a:lumMod val="65000"/>
+                    <a:lumOff val="35000"/>
+                  </a:schemeClr>
+                </a:solidFill>
+                <a:latin typeface="微软雅黑" panose="020B0503020204020204" pitchFamily="34" charset="-122"/>
+                <a:ea typeface="微软雅黑" panose="020B0503020204020204" pitchFamily="34" charset="-122"/>
+              </a:rPr>
+              <a:t>CPU</a:t>
+            </a:r>
+            <a:r>
+              <a:rPr lang="zh-CN" altLang="en-US" sz="1600" dirty="0">
+                <a:solidFill>
+                  <a:schemeClr val="tx1">
+                    <a:lumMod val="65000"/>
+                    <a:lumOff val="35000"/>
+                  </a:schemeClr>
+                </a:solidFill>
+                <a:latin typeface="微软雅黑" panose="020B0503020204020204" pitchFamily="34" charset="-122"/>
+                <a:ea typeface="微软雅黑" panose="020B0503020204020204" pitchFamily="34" charset="-122"/>
+              </a:rPr>
+              <a:t>资源</a:t>
+            </a:r>
+            <a:endParaRPr lang="en-US" altLang="zh-CN" sz="1600" dirty="0">
               <a:solidFill>
                 <a:schemeClr val="tx1">
                   <a:lumMod val="65000"/>
@@ -19626,7 +19615,7 @@
               <a:buFont typeface="Wingdings" charset="2"/>
               <a:buChar char="n"/>
             </a:pPr>
-            <a:endParaRPr lang="en-US" altLang="zh-CN" sz="1600">
+            <a:endParaRPr lang="en-US" altLang="zh-CN" sz="1600" dirty="0">
               <a:solidFill>
                 <a:schemeClr val="tx1">
                   <a:lumMod val="65000"/>
@@ -19646,19 +19635,97 @@
               <a:buChar char="n"/>
             </a:pPr>
             <a:r>
-              <a:rPr lang="zh-CN" altLang="en-US" sz="1600">
-                <a:solidFill>
-                  <a:schemeClr val="tx1">
-                    <a:lumMod val="65000"/>
-                    <a:lumOff val="35000"/>
-                  </a:schemeClr>
-                </a:solidFill>
-                <a:latin typeface="微软雅黑" panose="020B0503020204020204" pitchFamily="34" charset="-122"/>
-                <a:ea typeface="微软雅黑" panose="020B0503020204020204" pitchFamily="34" charset="-122"/>
-              </a:rPr>
-              <a:t>控制一下线程的最大并发数量</a:t>
-            </a:r>
-            <a:endParaRPr lang="en-US" altLang="zh-CN" sz="1600">
+              <a:rPr lang="zh-CN" altLang="en-US" sz="1600" dirty="0">
+                <a:solidFill>
+                  <a:schemeClr val="tx1">
+                    <a:lumMod val="65000"/>
+                    <a:lumOff val="35000"/>
+                  </a:schemeClr>
+                </a:solidFill>
+                <a:latin typeface="微软雅黑" panose="020B0503020204020204" pitchFamily="34" charset="-122"/>
+                <a:ea typeface="微软雅黑" panose="020B0503020204020204" pitchFamily="34" charset="-122"/>
+              </a:rPr>
+              <a:t>图片的</a:t>
+            </a:r>
+            <a:r>
+              <a:rPr lang="en-US" altLang="zh-CN" sz="1600" dirty="0">
+                <a:solidFill>
+                  <a:schemeClr val="tx1">
+                    <a:lumMod val="65000"/>
+                    <a:lumOff val="35000"/>
+                  </a:schemeClr>
+                </a:solidFill>
+                <a:latin typeface="微软雅黑" panose="020B0503020204020204" pitchFamily="34" charset="-122"/>
+                <a:ea typeface="微软雅黑" panose="020B0503020204020204" pitchFamily="34" charset="-122"/>
+              </a:rPr>
+              <a:t>size</a:t>
+            </a:r>
+            <a:r>
+              <a:rPr lang="zh-CN" altLang="en-US" sz="1600" dirty="0">
+                <a:solidFill>
+                  <a:schemeClr val="tx1">
+                    <a:lumMod val="65000"/>
+                    <a:lumOff val="35000"/>
+                  </a:schemeClr>
+                </a:solidFill>
+                <a:latin typeface="微软雅黑" panose="020B0503020204020204" pitchFamily="34" charset="-122"/>
+                <a:ea typeface="微软雅黑" panose="020B0503020204020204" pitchFamily="34" charset="-122"/>
+              </a:rPr>
+              <a:t>最好刚好跟</a:t>
+            </a:r>
+            <a:r>
+              <a:rPr lang="en-US" altLang="zh-CN" sz="1600" dirty="0" err="1">
+                <a:solidFill>
+                  <a:schemeClr val="tx1">
+                    <a:lumMod val="65000"/>
+                    <a:lumOff val="35000"/>
+                  </a:schemeClr>
+                </a:solidFill>
+                <a:latin typeface="微软雅黑" panose="020B0503020204020204" pitchFamily="34" charset="-122"/>
+                <a:ea typeface="微软雅黑" panose="020B0503020204020204" pitchFamily="34" charset="-122"/>
+              </a:rPr>
+              <a:t>UIImageView</a:t>
+            </a:r>
+            <a:r>
+              <a:rPr lang="zh-CN" altLang="en-US" sz="1600" dirty="0">
+                <a:solidFill>
+                  <a:schemeClr val="tx1">
+                    <a:lumMod val="65000"/>
+                    <a:lumOff val="35000"/>
+                  </a:schemeClr>
+                </a:solidFill>
+                <a:latin typeface="微软雅黑" panose="020B0503020204020204" pitchFamily="34" charset="-122"/>
+                <a:ea typeface="微软雅黑" panose="020B0503020204020204" pitchFamily="34" charset="-122"/>
+              </a:rPr>
+              <a:t>的</a:t>
+            </a:r>
+            <a:r>
+              <a:rPr lang="en-US" altLang="zh-CN" sz="1600" dirty="0">
+                <a:solidFill>
+                  <a:schemeClr val="tx1">
+                    <a:lumMod val="65000"/>
+                    <a:lumOff val="35000"/>
+                  </a:schemeClr>
+                </a:solidFill>
+                <a:latin typeface="微软雅黑" panose="020B0503020204020204" pitchFamily="34" charset="-122"/>
+                <a:ea typeface="微软雅黑" panose="020B0503020204020204" pitchFamily="34" charset="-122"/>
+              </a:rPr>
+              <a:t>size</a:t>
+            </a:r>
+            <a:r>
+              <a:rPr lang="zh-CN" altLang="en-US" sz="1600" dirty="0">
+                <a:solidFill>
+                  <a:schemeClr val="tx1">
+                    <a:lumMod val="65000"/>
+                    <a:lumOff val="35000"/>
+                  </a:schemeClr>
+                </a:solidFill>
+                <a:latin typeface="微软雅黑" panose="020B0503020204020204" pitchFamily="34" charset="-122"/>
+                <a:ea typeface="微软雅黑" panose="020B0503020204020204" pitchFamily="34" charset="-122"/>
+              </a:rPr>
+              <a:t>保持一致</a:t>
+            </a:r>
+            <a:endParaRPr lang="en-US" altLang="zh-CN" sz="1600" dirty="0">
               <a:solidFill>
                 <a:schemeClr val="tx1">
                   <a:lumMod val="65000"/>
@@ -19677,7 +19744,7 @@
               <a:buFont typeface="Wingdings" charset="2"/>
               <a:buChar char="n"/>
             </a:pPr>
-            <a:endParaRPr lang="en-US" altLang="zh-CN" sz="1600">
+            <a:endParaRPr lang="en-US" altLang="zh-CN" sz="1600" dirty="0">
               <a:solidFill>
                 <a:schemeClr val="tx1">
                   <a:lumMod val="65000"/>
@@ -19697,7 +19764,58 @@
               <a:buChar char="n"/>
             </a:pPr>
             <a:r>
-              <a:rPr lang="zh-CN" altLang="en-US" sz="1600">
+              <a:rPr lang="zh-CN" altLang="en-US" sz="1600" dirty="0">
+                <a:solidFill>
+                  <a:schemeClr val="tx1">
+                    <a:lumMod val="65000"/>
+                    <a:lumOff val="35000"/>
+                  </a:schemeClr>
+                </a:solidFill>
+                <a:latin typeface="微软雅黑" panose="020B0503020204020204" pitchFamily="34" charset="-122"/>
+                <a:ea typeface="微软雅黑" panose="020B0503020204020204" pitchFamily="34" charset="-122"/>
+              </a:rPr>
+              <a:t>控制一下线程的最大并发数量</a:t>
+            </a:r>
+            <a:endParaRPr lang="en-US" altLang="zh-CN" sz="1600" dirty="0">
+              <a:solidFill>
+                <a:schemeClr val="tx1">
+                  <a:lumMod val="65000"/>
+                  <a:lumOff val="35000"/>
+                </a:schemeClr>
+              </a:solidFill>
+              <a:latin typeface="微软雅黑" panose="020B0503020204020204" pitchFamily="34" charset="-122"/>
+              <a:ea typeface="微软雅黑" panose="020B0503020204020204" pitchFamily="34" charset="-122"/>
+            </a:endParaRPr>
+          </a:p>
+          <a:p>
+            <a:pPr marL="342900" indent="-342900">
+              <a:lnSpc>
+                <a:spcPts val="2200"/>
+              </a:lnSpc>
+              <a:buFont typeface="Wingdings" charset="2"/>
+              <a:buChar char="n"/>
+            </a:pPr>
+            <a:endParaRPr lang="en-US" altLang="zh-CN" sz="1600" dirty="0">
+              <a:solidFill>
+                <a:schemeClr val="tx1">
+                  <a:lumMod val="65000"/>
+                  <a:lumOff val="35000"/>
+                </a:schemeClr>
+              </a:solidFill>
+              <a:latin typeface="微软雅黑" panose="020B0503020204020204" pitchFamily="34" charset="-122"/>
+              <a:ea typeface="微软雅黑" panose="020B0503020204020204" pitchFamily="34" charset="-122"/>
+            </a:endParaRPr>
+          </a:p>
+          <a:p>
+            <a:pPr marL="342900" indent="-342900">
+              <a:lnSpc>
+                <a:spcPts val="2200"/>
+              </a:lnSpc>
+              <a:buFont typeface="Wingdings" charset="2"/>
+              <a:buChar char="n"/>
+            </a:pPr>
+            <a:r>
+              <a:rPr lang="zh-CN" altLang="en-US" sz="1600" dirty="0">
                 <a:solidFill>
                   <a:schemeClr val="tx1">
                     <a:lumMod val="65000"/>
@@ -19709,7 +19827,7 @@
               </a:rPr>
               <a:t>尽量把耗时的操作放到子线程</a:t>
             </a:r>
-            <a:endParaRPr lang="en-US" altLang="zh-CN" sz="1600">
+            <a:endParaRPr lang="en-US" altLang="zh-CN" sz="1600" dirty="0">
               <a:solidFill>
                 <a:schemeClr val="tx1">
                   <a:lumMod val="65000"/>
@@ -19729,7 +19847,7 @@
               <a:buChar char="p"/>
             </a:pPr>
             <a:r>
-              <a:rPr lang="zh-CN" altLang="en-US" sz="1600">
+              <a:rPr lang="zh-CN" altLang="en-US" sz="1600" dirty="0">
                 <a:solidFill>
                   <a:schemeClr val="tx1">
                     <a:lumMod val="65000"/>
@@ -19741,7 +19859,7 @@
               </a:rPr>
               <a:t>文本处理（尺寸计算、绘制）</a:t>
             </a:r>
-            <a:endParaRPr lang="en-US" altLang="zh-CN" sz="1600">
+            <a:endParaRPr lang="en-US" altLang="zh-CN" sz="1600" dirty="0">
               <a:solidFill>
                 <a:schemeClr val="tx1">
                   <a:lumMod val="65000"/>
@@ -19761,7 +19879,7 @@
               <a:buChar char="p"/>
             </a:pPr>
             <a:r>
-              <a:rPr lang="zh-CN" altLang="en-US" sz="1600">
+              <a:rPr lang="zh-CN" altLang="en-US" sz="1600" dirty="0">
                 <a:solidFill>
                   <a:schemeClr val="tx1">
                     <a:lumMod val="65000"/>
@@ -19773,7 +19891,7 @@
               </a:rPr>
               <a:t>图片处理（解码、绘制）</a:t>
             </a:r>
-            <a:endParaRPr lang="en-US" altLang="zh-CN" sz="1600">
+            <a:endParaRPr lang="en-US" altLang="zh-CN" sz="1600" dirty="0">
               <a:solidFill>
                 <a:schemeClr val="tx1">
                   <a:lumMod val="65000"/>
@@ -19792,7 +19910,7 @@
               <a:buFont typeface="Wingdings" charset="2"/>
               <a:buChar char="n"/>
             </a:pPr>
-            <a:endParaRPr lang="en-US" altLang="zh-CN" sz="1600">
+            <a:endParaRPr lang="en-US" altLang="zh-CN" sz="1600" dirty="0">
               <a:solidFill>
                 <a:schemeClr val="tx1">
                   <a:lumMod val="65000"/>
@@ -19811,7 +19929,7 @@
               <a:buFont typeface="Wingdings" charset="2"/>
               <a:buChar char="p"/>
             </a:pPr>
-            <a:endParaRPr lang="en-US" altLang="zh-CN" sz="1600">
+            <a:endParaRPr lang="en-US" altLang="zh-CN" sz="1600" dirty="0">
               <a:solidFill>
                 <a:schemeClr val="tx1">
                   <a:lumMod val="65000"/>
@@ -19830,7 +19948,7 @@
               <a:buFont typeface="Wingdings" charset="2"/>
               <a:buChar char="n"/>
             </a:pPr>
-            <a:endParaRPr lang="zh-CN" altLang="en-US" sz="1600">
+            <a:endParaRPr lang="zh-CN" altLang="en-US" sz="1600" dirty="0">
               <a:solidFill>
                 <a:schemeClr val="tx1">
                   <a:lumMod val="65000"/>
@@ -20316,7 +20434,7 @@
                                         <p:tgtEl>
                                           <p:spTgt spid="44">
                                             <p:txEl>
-                                              <p:pRg st="13" end="13"/>
+                                              <p:pRg st="14" end="14"/>
                                             </p:txEl>
                                           </p:spTgt>
                                         </p:tgtEl>
@@ -20334,7 +20452,7 @@
                                         <p:tgtEl>
                                           <p:spTgt spid="44">
                                             <p:txEl>
-                                              <p:pRg st="13" end="13"/>
+                                              <p:pRg st="14" end="14"/>
                                             </p:txEl>
                                           </p:spTgt>
                                         </p:tgtEl>
@@ -20377,7 +20495,7 @@
                                         <p:tgtEl>
                                           <p:spTgt spid="44">
                                             <p:txEl>
-                                              <p:pRg st="14" end="14"/>
+                                              <p:pRg st="15" end="15"/>
                                             </p:txEl>
                                           </p:spTgt>
                                         </p:tgtEl>
@@ -20395,7 +20513,68 @@
                                         <p:tgtEl>
                                           <p:spTgt spid="44">
                                             <p:txEl>
-                                              <p:pRg st="14" end="14"/>
+                                              <p:pRg st="15" end="15"/>
+                                            </p:txEl>
+                                          </p:spTgt>
+                                        </p:tgtEl>
+                                      </p:cBhvr>
+                                    </p:animEffect>
+                                  </p:childTnLst>
+                                </p:cTn>
+                              </p:par>
+                            </p:childTnLst>
+                          </p:cTn>
+                        </p:par>
+                      </p:childTnLst>
+                    </p:cTn>
+                  </p:par>
+                  <p:par>
+                    <p:cTn id="48" fill="hold">
+                      <p:stCondLst>
+                        <p:cond delay="indefinite"/>
+                      </p:stCondLst>
+                      <p:childTnLst>
+                        <p:par>
+                          <p:cTn id="49" fill="hold">
+                            <p:stCondLst>
+                              <p:cond delay="0"/>
+                            </p:stCondLst>
+                            <p:childTnLst>
+                              <p:par>
+                                <p:cTn id="50" presetID="22" presetClass="entr" presetSubtype="8" fill="hold" nodeType="clickEffect">
+                                  <p:stCondLst>
+                                    <p:cond delay="0"/>
+                                  </p:stCondLst>
+                                  <p:childTnLst>
+                                    <p:set>
+                                      <p:cBhvr>
+                                        <p:cTn id="51" dur="1" fill="hold">
+                                          <p:stCondLst>
+                                            <p:cond delay="0"/>
+                                          </p:stCondLst>
+                                        </p:cTn>
+                                        <p:tgtEl>
+                                          <p:spTgt spid="44">
+                                            <p:txEl>
+                                              <p:pRg st="16" end="16"/>
+                                            </p:txEl>
+                                          </p:spTgt>
+                                        </p:tgtEl>
+                                        <p:attrNameLst>
+                                          <p:attrName>style.visibility</p:attrName>
+                                        </p:attrNameLst>
+                                      </p:cBhvr>
+                                      <p:to>
+                                        <p:strVal val="visible"/>
+                                      </p:to>
+                                    </p:set>
+                                    <p:animEffect transition="in" filter="wipe(left)">
+                                      <p:cBhvr>
+                                        <p:cTn id="52" dur="500"/>
+                                        <p:tgtEl>
+                                          <p:spTgt spid="44">
+                                            <p:txEl>
+                                              <p:pRg st="16" end="16"/>
                                             </p:txEl>
                                           </p:spTgt>
                                         </p:tgtEl>
